--- a/apresentacoes/foco-produtividade/aula-10-memorizacao-retencao.pptx
+++ b/apresentacoes/foco-produtividade/aula-10-memorizacao-retencao.pptx
@@ -1286,62 +1286,6 @@
 </p:sldLayout>
 </file>
 
-<file path=ppt/slideLayouts/slideLayout2.xml><?xml version="1.0" encoding="utf-8"?>
-<p:sldLayout xmlns:a="http://schemas.openxmlformats.org/drawingml/2006/main" xmlns:r="http://schemas.openxmlformats.org/officeDocument/2006/relationships" xmlns:p="http://schemas.openxmlformats.org/presentationml/2006/main" preserve="1">
-  <p:cSld name="MASTER">
-    <p:bg>
-      <p:bgPr>
-        <a:solidFill>
-          <a:srgbClr val="1A1A2E"/>
-        </a:solidFill>
-      </p:bgPr>
-    </p:bg>
-    <p:spTree>
-      <p:nvGrpSpPr>
-        <p:cNvPr id="1" name=""/>
-        <p:cNvGrpSpPr/>
-        <p:nvPr/>
-      </p:nvGrpSpPr>
-      <p:grpSpPr>
-        <a:xfrm>
-          <a:off x="0" y="0"/>
-          <a:ext cx="0" cy="0"/>
-          <a:chOff x="0" y="0"/>
-          <a:chExt cx="0" cy="0"/>
-        </a:xfrm>
-      </p:grpSpPr>
-      <p:pic>
-        <p:nvPicPr>
-          <p:cNvPr id="2" name="Image 0" descr="preencoded.png">    </p:cNvPr>
-          <p:cNvPicPr>
-            <a:picLocks noChangeAspect="1"/>
-          </p:cNvPicPr>
-          <p:nvPr/>
-        </p:nvPicPr>
-        <p:blipFill>
-          <a:blip r:embed="rId1"/>
-          <a:stretch>
-            <a:fillRect/>
-          </a:stretch>
-        </p:blipFill>
-        <p:spPr>
-          <a:xfrm>
-            <a:off x="274320" y="182880"/>
-            <a:ext cx="1097280" cy="457200"/>
-          </a:xfrm>
-          <a:prstGeom prst="rect">
-            <a:avLst/>
-          </a:prstGeom>
-        </p:spPr>
-      </p:pic>
-    </p:spTree>
-  </p:cSld>
-  <p:clrMapOvr>
-    <a:masterClrMapping/>
-  </p:clrMapOvr>
-</p:sldLayout>
-</file>
-
 <file path=ppt/slideMasters/slideMaster1.xml><?xml version="1.0" encoding="utf-8"?>
 <p:sldMaster xmlns:a="http://schemas.openxmlformats.org/drawingml/2006/main" xmlns:r="http://schemas.openxmlformats.org/officeDocument/2006/relationships" xmlns:p="http://schemas.openxmlformats.org/presentationml/2006/main">
   <p:cSld>
@@ -1364,7 +1308,6 @@
   <p:clrMap bg1="lt1" tx1="dk1" bg2="lt2" tx2="dk2" accent1="accent1" accent2="accent2" accent3="accent3" accent4="accent4" accent5="accent5" accent6="accent6" hlink="hlink" folHlink="folHlink"/>
   <p:sldLayoutIdLst>
     <p:sldLayoutId id="2147483649" r:id="rId1"/>
-    <p:sldLayoutId id="2147483650" r:id="rId2"/>
   </p:sldLayoutIdLst>
   <p:hf sldNum="0" hdr="0" ftr="0" dt="0"/>
   <p:txStyles>
@@ -1623,6 +1566,13 @@
 <file path=ppt/slides/slide1.xml><?xml version="1.0" encoding="utf-8"?>
 <p:sld xmlns:a="http://schemas.openxmlformats.org/drawingml/2006/main" xmlns:r="http://schemas.openxmlformats.org/officeDocument/2006/relationships" xmlns:p="http://schemas.openxmlformats.org/presentationml/2006/main">
   <p:cSld name="Slide 1">
+    <p:bg>
+      <p:bgPr>
+        <a:solidFill>
+          <a:srgbClr val="1A1A2E"/>
+        </a:solidFill>
+      </p:bgPr>
+    </p:bg>
     <p:spTree>
       <p:nvGrpSpPr>
         <p:cNvPr id="1" name=""/>
@@ -1637,9 +1587,33 @@
           <a:chExt cx="0" cy="0"/>
         </a:xfrm>
       </p:grpSpPr>
-      <p:sp>
-        <p:nvSpPr>
-          <p:cNvPr id="2" name="Shape 0"/>
+      <p:pic>
+        <p:nvPicPr>
+          <p:cNvPr id="2" name="Image 0" descr="preencoded.png">    </p:cNvPr>
+          <p:cNvPicPr>
+            <a:picLocks noChangeAspect="1"/>
+          </p:cNvPicPr>
+          <p:nvPr/>
+        </p:nvPicPr>
+        <p:blipFill>
+          <a:blip r:embed="rId1"/>
+          <a:stretch>
+            <a:fillRect/>
+          </a:stretch>
+        </p:blipFill>
+        <p:spPr>
+          <a:xfrm>
+            <a:off x="274320" y="137160"/>
+            <a:ext cx="1097280" cy="457200"/>
+          </a:xfrm>
+          <a:prstGeom prst="rect">
+            <a:avLst/>
+          </a:prstGeom>
+        </p:spPr>
+      </p:pic>
+      <p:sp>
+        <p:nvSpPr>
+          <p:cNvPr id="3" name="Shape 0"/>
           <p:cNvSpPr/>
           <p:nvPr/>
         </p:nvSpPr>
@@ -1659,7 +1633,7 @@
       </p:sp>
       <p:sp>
         <p:nvSpPr>
-          <p:cNvPr id="3" name="Text 1"/>
+          <p:cNvPr id="4" name="Text 1"/>
           <p:cNvSpPr/>
           <p:nvPr/>
         </p:nvSpPr>
@@ -1698,7 +1672,7 @@
       </p:sp>
       <p:sp>
         <p:nvSpPr>
-          <p:cNvPr id="4" name="Text 2"/>
+          <p:cNvPr id="5" name="Text 2"/>
           <p:cNvSpPr/>
           <p:nvPr/>
         </p:nvSpPr>
@@ -1737,7 +1711,7 @@
       </p:sp>
       <p:sp>
         <p:nvSpPr>
-          <p:cNvPr id="5" name="Text 3"/>
+          <p:cNvPr id="6" name="Text 3"/>
           <p:cNvSpPr/>
           <p:nvPr/>
         </p:nvSpPr>
@@ -1776,7 +1750,7 @@
       </p:sp>
       <p:sp>
         <p:nvSpPr>
-          <p:cNvPr id="6" name="Text 4"/>
+          <p:cNvPr id="7" name="Text 4"/>
           <p:cNvSpPr/>
           <p:nvPr/>
         </p:nvSpPr>
@@ -1815,7 +1789,7 @@
       </p:sp>
       <p:sp>
         <p:nvSpPr>
-          <p:cNvPr id="7" name="Shape 5"/>
+          <p:cNvPr id="8" name="Shape 5"/>
           <p:cNvSpPr/>
           <p:nvPr/>
         </p:nvSpPr>
@@ -1844,6 +1818,13 @@
 <file path=ppt/slides/slide2.xml><?xml version="1.0" encoding="utf-8"?>
 <p:sld xmlns:a="http://schemas.openxmlformats.org/drawingml/2006/main" xmlns:r="http://schemas.openxmlformats.org/officeDocument/2006/relationships" xmlns:p="http://schemas.openxmlformats.org/presentationml/2006/main">
   <p:cSld name="Slide 2">
+    <p:bg>
+      <p:bgPr>
+        <a:solidFill>
+          <a:srgbClr val="1A1A2E"/>
+        </a:solidFill>
+      </p:bgPr>
+    </p:bg>
     <p:spTree>
       <p:nvGrpSpPr>
         <p:cNvPr id="1" name=""/>
@@ -1858,9 +1839,33 @@
           <a:chExt cx="0" cy="0"/>
         </a:xfrm>
       </p:grpSpPr>
-      <p:sp>
-        <p:nvSpPr>
-          <p:cNvPr id="2" name="Shape 0"/>
+      <p:pic>
+        <p:nvPicPr>
+          <p:cNvPr id="2" name="Image 0" descr="preencoded.png">    </p:cNvPr>
+          <p:cNvPicPr>
+            <a:picLocks noChangeAspect="1"/>
+          </p:cNvPicPr>
+          <p:nvPr/>
+        </p:nvPicPr>
+        <p:blipFill>
+          <a:blip r:embed="rId1"/>
+          <a:stretch>
+            <a:fillRect/>
+          </a:stretch>
+        </p:blipFill>
+        <p:spPr>
+          <a:xfrm>
+            <a:off x="274320" y="137160"/>
+            <a:ext cx="1097280" cy="457200"/>
+          </a:xfrm>
+          <a:prstGeom prst="rect">
+            <a:avLst/>
+          </a:prstGeom>
+        </p:spPr>
+      </p:pic>
+      <p:sp>
+        <p:nvSpPr>
+          <p:cNvPr id="3" name="Shape 0"/>
           <p:cNvSpPr/>
           <p:nvPr/>
         </p:nvSpPr>
@@ -1880,7 +1885,7 @@
       </p:sp>
       <p:sp>
         <p:nvSpPr>
-          <p:cNvPr id="3" name="Text 1"/>
+          <p:cNvPr id="4" name="Text 1"/>
           <p:cNvSpPr/>
           <p:nvPr/>
         </p:nvSpPr>
@@ -1919,7 +1924,7 @@
       </p:sp>
       <p:sp>
         <p:nvSpPr>
-          <p:cNvPr id="4" name="Text 2"/>
+          <p:cNvPr id="5" name="Text 2"/>
           <p:cNvSpPr/>
           <p:nvPr/>
         </p:nvSpPr>
@@ -1960,7 +1965,7 @@
       </p:sp>
       <p:sp>
         <p:nvSpPr>
-          <p:cNvPr id="5" name="Text 3"/>
+          <p:cNvPr id="6" name="Text 3"/>
           <p:cNvSpPr/>
           <p:nvPr/>
         </p:nvSpPr>
@@ -1991,7 +1996,7 @@
                 <a:ea typeface="Arial" pitchFamily="34" charset="-122"/>
                 <a:cs typeface="Arial" pitchFamily="34" charset="-120"/>
               </a:rPr>
-              <a:t>Entender como a memória funciona</a:t>
+              <a:t>Entender como memória funciona</a:t>
             </a:r>
             <a:endParaRPr lang="en-US" sz="1600" dirty="0"/>
           </a:p>
@@ -1999,7 +2004,7 @@
       </p:sp>
       <p:sp>
         <p:nvSpPr>
-          <p:cNvPr id="6" name="Text 4"/>
+          <p:cNvPr id="7" name="Text 4"/>
           <p:cNvSpPr/>
           <p:nvPr/>
         </p:nvSpPr>
@@ -2040,7 +2045,7 @@
       </p:sp>
       <p:sp>
         <p:nvSpPr>
-          <p:cNvPr id="7" name="Text 5"/>
+          <p:cNvPr id="8" name="Text 5"/>
           <p:cNvSpPr/>
           <p:nvPr/>
         </p:nvSpPr>
@@ -2079,7 +2084,7 @@
       </p:sp>
       <p:sp>
         <p:nvSpPr>
-          <p:cNvPr id="8" name="Text 6"/>
+          <p:cNvPr id="9" name="Text 6"/>
           <p:cNvSpPr/>
           <p:nvPr/>
         </p:nvSpPr>
@@ -2120,7 +2125,7 @@
       </p:sp>
       <p:sp>
         <p:nvSpPr>
-          <p:cNvPr id="9" name="Text 7"/>
+          <p:cNvPr id="10" name="Text 7"/>
           <p:cNvSpPr/>
           <p:nvPr/>
         </p:nvSpPr>
@@ -2168,6 +2173,13 @@
 <file path=ppt/slides/slide3.xml><?xml version="1.0" encoding="utf-8"?>
 <p:sld xmlns:a="http://schemas.openxmlformats.org/drawingml/2006/main" xmlns:r="http://schemas.openxmlformats.org/officeDocument/2006/relationships" xmlns:p="http://schemas.openxmlformats.org/presentationml/2006/main">
   <p:cSld name="Slide 3">
+    <p:bg>
+      <p:bgPr>
+        <a:solidFill>
+          <a:srgbClr val="1A1A2E"/>
+        </a:solidFill>
+      </p:bgPr>
+    </p:bg>
     <p:spTree>
       <p:nvGrpSpPr>
         <p:cNvPr id="1" name=""/>
@@ -2182,9 +2194,33 @@
           <a:chExt cx="0" cy="0"/>
         </a:xfrm>
       </p:grpSpPr>
-      <p:sp>
-        <p:nvSpPr>
-          <p:cNvPr id="2" name="Shape 0"/>
+      <p:pic>
+        <p:nvPicPr>
+          <p:cNvPr id="2" name="Image 0" descr="preencoded.png">    </p:cNvPr>
+          <p:cNvPicPr>
+            <a:picLocks noChangeAspect="1"/>
+          </p:cNvPicPr>
+          <p:nvPr/>
+        </p:nvPicPr>
+        <p:blipFill>
+          <a:blip r:embed="rId1"/>
+          <a:stretch>
+            <a:fillRect/>
+          </a:stretch>
+        </p:blipFill>
+        <p:spPr>
+          <a:xfrm>
+            <a:off x="274320" y="137160"/>
+            <a:ext cx="1097280" cy="457200"/>
+          </a:xfrm>
+          <a:prstGeom prst="rect">
+            <a:avLst/>
+          </a:prstGeom>
+        </p:spPr>
+      </p:pic>
+      <p:sp>
+        <p:nvSpPr>
+          <p:cNvPr id="3" name="Shape 0"/>
           <p:cNvSpPr/>
           <p:nvPr/>
         </p:nvSpPr>
@@ -2204,7 +2240,7 @@
       </p:sp>
       <p:sp>
         <p:nvSpPr>
-          <p:cNvPr id="3" name="Text 1"/>
+          <p:cNvPr id="4" name="Text 1"/>
           <p:cNvSpPr/>
           <p:nvPr/>
         </p:nvSpPr>
@@ -2235,7 +2271,7 @@
                 <a:ea typeface="Arial" pitchFamily="34" charset="-122"/>
                 <a:cs typeface="Arial" pitchFamily="34" charset="-120"/>
               </a:rPr>
-              <a:t>Como a Memória Funciona</a:t>
+              <a:t>Como Memória Funciona</a:t>
             </a:r>
             <a:endParaRPr lang="en-US" sz="1800" dirty="0"/>
           </a:p>
@@ -2243,7 +2279,7 @@
       </p:sp>
       <p:sp>
         <p:nvSpPr>
-          <p:cNvPr id="4" name="Text 2"/>
+          <p:cNvPr id="5" name="Text 2"/>
           <p:cNvSpPr/>
           <p:nvPr/>
         </p:nvSpPr>
@@ -2282,7 +2318,7 @@
       </p:sp>
       <p:sp>
         <p:nvSpPr>
-          <p:cNvPr id="5" name="Text 3"/>
+          <p:cNvPr id="6" name="Text 3"/>
           <p:cNvSpPr/>
           <p:nvPr/>
         </p:nvSpPr>
@@ -2321,7 +2357,7 @@
       </p:sp>
       <p:sp>
         <p:nvSpPr>
-          <p:cNvPr id="6" name="Text 4"/>
+          <p:cNvPr id="7" name="Text 4"/>
           <p:cNvSpPr/>
           <p:nvPr/>
         </p:nvSpPr>
@@ -2360,7 +2396,7 @@
       </p:sp>
       <p:sp>
         <p:nvSpPr>
-          <p:cNvPr id="7" name="Text 5"/>
+          <p:cNvPr id="8" name="Text 5"/>
           <p:cNvSpPr/>
           <p:nvPr/>
         </p:nvSpPr>
@@ -2399,7 +2435,7 @@
       </p:sp>
       <p:sp>
         <p:nvSpPr>
-          <p:cNvPr id="8" name="Text 6"/>
+          <p:cNvPr id="9" name="Text 6"/>
           <p:cNvSpPr/>
           <p:nvPr/>
         </p:nvSpPr>
@@ -2438,7 +2474,7 @@
       </p:sp>
       <p:sp>
         <p:nvSpPr>
-          <p:cNvPr id="9" name="Text 7"/>
+          <p:cNvPr id="10" name="Text 7"/>
           <p:cNvSpPr/>
           <p:nvPr/>
         </p:nvSpPr>
@@ -2486,6 +2522,13 @@
 <file path=ppt/slides/slide4.xml><?xml version="1.0" encoding="utf-8"?>
 <p:sld xmlns:a="http://schemas.openxmlformats.org/drawingml/2006/main" xmlns:r="http://schemas.openxmlformats.org/officeDocument/2006/relationships" xmlns:p="http://schemas.openxmlformats.org/presentationml/2006/main">
   <p:cSld name="Slide 4">
+    <p:bg>
+      <p:bgPr>
+        <a:solidFill>
+          <a:srgbClr val="1A1A2E"/>
+        </a:solidFill>
+      </p:bgPr>
+    </p:bg>
     <p:spTree>
       <p:nvGrpSpPr>
         <p:cNvPr id="1" name=""/>
@@ -2500,9 +2543,33 @@
           <a:chExt cx="0" cy="0"/>
         </a:xfrm>
       </p:grpSpPr>
-      <p:sp>
-        <p:nvSpPr>
-          <p:cNvPr id="2" name="Shape 0"/>
+      <p:pic>
+        <p:nvPicPr>
+          <p:cNvPr id="2" name="Image 0" descr="preencoded.png">    </p:cNvPr>
+          <p:cNvPicPr>
+            <a:picLocks noChangeAspect="1"/>
+          </p:cNvPicPr>
+          <p:nvPr/>
+        </p:nvPicPr>
+        <p:blipFill>
+          <a:blip r:embed="rId1"/>
+          <a:stretch>
+            <a:fillRect/>
+          </a:stretch>
+        </p:blipFill>
+        <p:spPr>
+          <a:xfrm>
+            <a:off x="274320" y="137160"/>
+            <a:ext cx="1097280" cy="457200"/>
+          </a:xfrm>
+          <a:prstGeom prst="rect">
+            <a:avLst/>
+          </a:prstGeom>
+        </p:spPr>
+      </p:pic>
+      <p:sp>
+        <p:nvSpPr>
+          <p:cNvPr id="3" name="Shape 0"/>
           <p:cNvSpPr/>
           <p:nvPr/>
         </p:nvSpPr>
@@ -2522,7 +2589,7 @@
       </p:sp>
       <p:sp>
         <p:nvSpPr>
-          <p:cNvPr id="3" name="Text 1"/>
+          <p:cNvPr id="4" name="Text 1"/>
           <p:cNvSpPr/>
           <p:nvPr/>
         </p:nvSpPr>
@@ -2553,7 +2620,7 @@
                 <a:ea typeface="Arial" pitchFamily="34" charset="-122"/>
                 <a:cs typeface="Arial" pitchFamily="34" charset="-120"/>
               </a:rPr>
-              <a:t>Técnicas de Codificação</a:t>
+              <a:t>Codificação</a:t>
             </a:r>
             <a:endParaRPr lang="en-US" sz="1800" dirty="0"/>
           </a:p>
@@ -2561,7 +2628,7 @@
       </p:sp>
       <p:sp>
         <p:nvSpPr>
-          <p:cNvPr id="4" name="Text 2"/>
+          <p:cNvPr id="5" name="Text 2"/>
           <p:cNvSpPr/>
           <p:nvPr/>
         </p:nvSpPr>
@@ -2600,7 +2667,7 @@
       </p:sp>
       <p:sp>
         <p:nvSpPr>
-          <p:cNvPr id="5" name="Text 3"/>
+          <p:cNvPr id="6" name="Text 3"/>
           <p:cNvSpPr/>
           <p:nvPr/>
         </p:nvSpPr>
@@ -2639,7 +2706,7 @@
       </p:sp>
       <p:sp>
         <p:nvSpPr>
-          <p:cNvPr id="6" name="Text 4"/>
+          <p:cNvPr id="7" name="Text 4"/>
           <p:cNvSpPr/>
           <p:nvPr/>
         </p:nvSpPr>
@@ -2678,7 +2745,7 @@
       </p:sp>
       <p:sp>
         <p:nvSpPr>
-          <p:cNvPr id="7" name="Text 5"/>
+          <p:cNvPr id="8" name="Text 5"/>
           <p:cNvSpPr/>
           <p:nvPr/>
         </p:nvSpPr>
@@ -2709,7 +2776,7 @@
                 <a:ea typeface="Arial" pitchFamily="34" charset="-122"/>
                 <a:cs typeface="Arial" pitchFamily="34" charset="-120"/>
               </a:rPr>
-              <a:t>Visualização (imagens)</a:t>
+              <a:t>Visualização</a:t>
             </a:r>
             <a:endParaRPr lang="en-US" sz="1500" dirty="0"/>
           </a:p>
@@ -2717,7 +2784,7 @@
       </p:sp>
       <p:sp>
         <p:nvSpPr>
-          <p:cNvPr id="8" name="Text 6"/>
+          <p:cNvPr id="9" name="Text 6"/>
           <p:cNvSpPr/>
           <p:nvPr/>
         </p:nvSpPr>
@@ -2756,7 +2823,7 @@
       </p:sp>
       <p:sp>
         <p:nvSpPr>
-          <p:cNvPr id="9" name="Text 7"/>
+          <p:cNvPr id="10" name="Text 7"/>
           <p:cNvSpPr/>
           <p:nvPr/>
         </p:nvSpPr>
@@ -2787,7 +2854,7 @@
                 <a:ea typeface="Arial" pitchFamily="34" charset="-122"/>
                 <a:cs typeface="Arial" pitchFamily="34" charset="-120"/>
               </a:rPr>
-              <a:t>Associação (mnemônicos)</a:t>
+              <a:t>Mnemônicos</a:t>
             </a:r>
             <a:endParaRPr lang="en-US" sz="1500" dirty="0"/>
           </a:p>
@@ -2795,7 +2862,7 @@
       </p:sp>
       <p:sp>
         <p:nvSpPr>
-          <p:cNvPr id="10" name="Text 8"/>
+          <p:cNvPr id="11" name="Text 8"/>
           <p:cNvSpPr/>
           <p:nvPr/>
         </p:nvSpPr>
@@ -2834,7 +2901,7 @@
       </p:sp>
       <p:sp>
         <p:nvSpPr>
-          <p:cNvPr id="11" name="Text 9"/>
+          <p:cNvPr id="12" name="Text 9"/>
           <p:cNvSpPr/>
           <p:nvPr/>
         </p:nvSpPr>
@@ -2865,7 +2932,7 @@
                 <a:ea typeface="Arial" pitchFamily="34" charset="-122"/>
                 <a:cs typeface="Arial" pitchFamily="34" charset="-120"/>
               </a:rPr>
-              <a:t>Chunking (agrupar)</a:t>
+              <a:t>Chunking</a:t>
             </a:r>
             <a:endParaRPr lang="en-US" sz="1500" dirty="0"/>
           </a:p>
@@ -2882,6 +2949,13 @@
 <file path=ppt/slides/slide5.xml><?xml version="1.0" encoding="utf-8"?>
 <p:sld xmlns:a="http://schemas.openxmlformats.org/drawingml/2006/main" xmlns:r="http://schemas.openxmlformats.org/officeDocument/2006/relationships" xmlns:p="http://schemas.openxmlformats.org/presentationml/2006/main">
   <p:cSld name="Slide 5">
+    <p:bg>
+      <p:bgPr>
+        <a:solidFill>
+          <a:srgbClr val="1A1A2E"/>
+        </a:solidFill>
+      </p:bgPr>
+    </p:bg>
     <p:spTree>
       <p:nvGrpSpPr>
         <p:cNvPr id="1" name=""/>
@@ -2896,9 +2970,33 @@
           <a:chExt cx="0" cy="0"/>
         </a:xfrm>
       </p:grpSpPr>
-      <p:sp>
-        <p:nvSpPr>
-          <p:cNvPr id="2" name="Shape 0"/>
+      <p:pic>
+        <p:nvPicPr>
+          <p:cNvPr id="2" name="Image 0" descr="preencoded.png">    </p:cNvPr>
+          <p:cNvPicPr>
+            <a:picLocks noChangeAspect="1"/>
+          </p:cNvPicPr>
+          <p:nvPr/>
+        </p:nvPicPr>
+        <p:blipFill>
+          <a:blip r:embed="rId1"/>
+          <a:stretch>
+            <a:fillRect/>
+          </a:stretch>
+        </p:blipFill>
+        <p:spPr>
+          <a:xfrm>
+            <a:off x="274320" y="137160"/>
+            <a:ext cx="1097280" cy="457200"/>
+          </a:xfrm>
+          <a:prstGeom prst="rect">
+            <a:avLst/>
+          </a:prstGeom>
+        </p:spPr>
+      </p:pic>
+      <p:sp>
+        <p:nvSpPr>
+          <p:cNvPr id="3" name="Shape 0"/>
           <p:cNvSpPr/>
           <p:nvPr/>
         </p:nvSpPr>
@@ -2918,7 +3016,7 @@
       </p:sp>
       <p:sp>
         <p:nvSpPr>
-          <p:cNvPr id="3" name="Text 1"/>
+          <p:cNvPr id="4" name="Text 1"/>
           <p:cNvSpPr/>
           <p:nvPr/>
         </p:nvSpPr>
@@ -2949,7 +3047,7 @@
                 <a:ea typeface="Arial" pitchFamily="34" charset="-122"/>
                 <a:cs typeface="Arial" pitchFamily="34" charset="-120"/>
               </a:rPr>
-              <a:t>Técnicas de Retenção</a:t>
+              <a:t>Retenção</a:t>
             </a:r>
             <a:endParaRPr lang="en-US" sz="1800" dirty="0"/>
           </a:p>
@@ -2957,7 +3055,7 @@
       </p:sp>
       <p:sp>
         <p:nvSpPr>
-          <p:cNvPr id="4" name="Text 2"/>
+          <p:cNvPr id="5" name="Text 2"/>
           <p:cNvSpPr/>
           <p:nvPr/>
         </p:nvSpPr>
@@ -2996,7 +3094,7 @@
       </p:sp>
       <p:sp>
         <p:nvSpPr>
-          <p:cNvPr id="5" name="Text 3"/>
+          <p:cNvPr id="6" name="Text 3"/>
           <p:cNvSpPr/>
           <p:nvPr/>
         </p:nvSpPr>
@@ -3035,7 +3133,7 @@
       </p:sp>
       <p:sp>
         <p:nvSpPr>
-          <p:cNvPr id="6" name="Text 4"/>
+          <p:cNvPr id="7" name="Text 4"/>
           <p:cNvSpPr/>
           <p:nvPr/>
         </p:nvSpPr>
@@ -3074,7 +3172,7 @@
       </p:sp>
       <p:sp>
         <p:nvSpPr>
-          <p:cNvPr id="7" name="Text 5"/>
+          <p:cNvPr id="8" name="Text 5"/>
           <p:cNvSpPr/>
           <p:nvPr/>
         </p:nvSpPr>
@@ -3105,7 +3203,7 @@
                 <a:ea typeface="Arial" pitchFamily="34" charset="-122"/>
                 <a:cs typeface="Arial" pitchFamily="34" charset="-120"/>
               </a:rPr>
-              <a:t>Active recall (testar)</a:t>
+              <a:t>Active recall</a:t>
             </a:r>
             <a:endParaRPr lang="en-US" sz="1500" dirty="0"/>
           </a:p>
@@ -3113,7 +3211,7 @@
       </p:sp>
       <p:sp>
         <p:nvSpPr>
-          <p:cNvPr id="8" name="Text 6"/>
+          <p:cNvPr id="9" name="Text 6"/>
           <p:cNvSpPr/>
           <p:nvPr/>
         </p:nvSpPr>
@@ -3152,7 +3250,7 @@
       </p:sp>
       <p:sp>
         <p:nvSpPr>
-          <p:cNvPr id="9" name="Text 7"/>
+          <p:cNvPr id="10" name="Text 7"/>
           <p:cNvSpPr/>
           <p:nvPr/>
         </p:nvSpPr>
@@ -3183,7 +3281,7 @@
                 <a:ea typeface="Arial" pitchFamily="34" charset="-122"/>
                 <a:cs typeface="Arial" pitchFamily="34" charset="-120"/>
               </a:rPr>
-              <a:t>Interleaving (misturar)</a:t>
+              <a:t>Interleaving</a:t>
             </a:r>
             <a:endParaRPr lang="en-US" sz="1500" dirty="0"/>
           </a:p>
@@ -3191,7 +3289,7 @@
       </p:sp>
       <p:sp>
         <p:nvSpPr>
-          <p:cNvPr id="10" name="Text 8"/>
+          <p:cNvPr id="11" name="Text 8"/>
           <p:cNvSpPr/>
           <p:nvPr/>
         </p:nvSpPr>
@@ -3230,7 +3328,7 @@
       </p:sp>
       <p:sp>
         <p:nvSpPr>
-          <p:cNvPr id="11" name="Text 9"/>
+          <p:cNvPr id="12" name="Text 9"/>
           <p:cNvSpPr/>
           <p:nvPr/>
         </p:nvSpPr>
@@ -3278,6 +3376,13 @@
 <file path=ppt/slides/slide6.xml><?xml version="1.0" encoding="utf-8"?>
 <p:sld xmlns:a="http://schemas.openxmlformats.org/drawingml/2006/main" xmlns:r="http://schemas.openxmlformats.org/officeDocument/2006/relationships" xmlns:p="http://schemas.openxmlformats.org/presentationml/2006/main">
   <p:cSld name="Slide 6">
+    <p:bg>
+      <p:bgPr>
+        <a:solidFill>
+          <a:srgbClr val="1A1A2E"/>
+        </a:solidFill>
+      </p:bgPr>
+    </p:bg>
     <p:spTree>
       <p:nvGrpSpPr>
         <p:cNvPr id="1" name=""/>
@@ -3292,9 +3397,33 @@
           <a:chExt cx="0" cy="0"/>
         </a:xfrm>
       </p:grpSpPr>
-      <p:sp>
-        <p:nvSpPr>
-          <p:cNvPr id="2" name="Shape 0"/>
+      <p:pic>
+        <p:nvPicPr>
+          <p:cNvPr id="2" name="Image 0" descr="preencoded.png">    </p:cNvPr>
+          <p:cNvPicPr>
+            <a:picLocks noChangeAspect="1"/>
+          </p:cNvPicPr>
+          <p:nvPr/>
+        </p:nvPicPr>
+        <p:blipFill>
+          <a:blip r:embed="rId1"/>
+          <a:stretch>
+            <a:fillRect/>
+          </a:stretch>
+        </p:blipFill>
+        <p:spPr>
+          <a:xfrm>
+            <a:off x="274320" y="137160"/>
+            <a:ext cx="1097280" cy="457200"/>
+          </a:xfrm>
+          <a:prstGeom prst="rect">
+            <a:avLst/>
+          </a:prstGeom>
+        </p:spPr>
+      </p:pic>
+      <p:sp>
+        <p:nvSpPr>
+          <p:cNvPr id="3" name="Shape 0"/>
           <p:cNvSpPr/>
           <p:nvPr/>
         </p:nvSpPr>
@@ -3314,7 +3443,7 @@
       </p:sp>
       <p:sp>
         <p:nvSpPr>
-          <p:cNvPr id="3" name="Text 1"/>
+          <p:cNvPr id="4" name="Text 1"/>
           <p:cNvSpPr/>
           <p:nvPr/>
         </p:nvSpPr>
@@ -3353,7 +3482,7 @@
       </p:sp>
       <p:sp>
         <p:nvSpPr>
-          <p:cNvPr id="4" name="Text 2"/>
+          <p:cNvPr id="5" name="Text 2"/>
           <p:cNvSpPr/>
           <p:nvPr/>
         </p:nvSpPr>
@@ -3392,7 +3521,7 @@
       </p:sp>
       <p:sp>
         <p:nvSpPr>
-          <p:cNvPr id="5" name="Text 3"/>
+          <p:cNvPr id="6" name="Text 3"/>
           <p:cNvSpPr/>
           <p:nvPr/>
         </p:nvSpPr>
@@ -3431,7 +3560,7 @@
       </p:sp>
       <p:sp>
         <p:nvSpPr>
-          <p:cNvPr id="6" name="Text 4"/>
+          <p:cNvPr id="7" name="Text 4"/>
           <p:cNvSpPr/>
           <p:nvPr/>
         </p:nvSpPr>
@@ -3470,7 +3599,7 @@
       </p:sp>
       <p:sp>
         <p:nvSpPr>
-          <p:cNvPr id="7" name="Text 5"/>
+          <p:cNvPr id="8" name="Text 5"/>
           <p:cNvSpPr/>
           <p:nvPr/>
         </p:nvSpPr>
@@ -3509,7 +3638,7 @@
       </p:sp>
       <p:sp>
         <p:nvSpPr>
-          <p:cNvPr id="8" name="Text 6"/>
+          <p:cNvPr id="9" name="Text 6"/>
           <p:cNvSpPr/>
           <p:nvPr/>
         </p:nvSpPr>
@@ -3548,7 +3677,7 @@
       </p:sp>
       <p:sp>
         <p:nvSpPr>
-          <p:cNvPr id="9" name="Text 7"/>
+          <p:cNvPr id="10" name="Text 7"/>
           <p:cNvSpPr/>
           <p:nvPr/>
         </p:nvSpPr>
@@ -3596,6 +3725,13 @@
 <file path=ppt/slides/slide7.xml><?xml version="1.0" encoding="utf-8"?>
 <p:sld xmlns:a="http://schemas.openxmlformats.org/drawingml/2006/main" xmlns:r="http://schemas.openxmlformats.org/officeDocument/2006/relationships" xmlns:p="http://schemas.openxmlformats.org/presentationml/2006/main">
   <p:cSld name="Slide 7">
+    <p:bg>
+      <p:bgPr>
+        <a:solidFill>
+          <a:srgbClr val="1A1A2E"/>
+        </a:solidFill>
+      </p:bgPr>
+    </p:bg>
     <p:spTree>
       <p:nvGrpSpPr>
         <p:cNvPr id="1" name=""/>
@@ -3610,9 +3746,33 @@
           <a:chExt cx="0" cy="0"/>
         </a:xfrm>
       </p:grpSpPr>
-      <p:sp>
-        <p:nvSpPr>
-          <p:cNvPr id="2" name="Shape 0"/>
+      <p:pic>
+        <p:nvPicPr>
+          <p:cNvPr id="2" name="Image 0" descr="preencoded.png">    </p:cNvPr>
+          <p:cNvPicPr>
+            <a:picLocks noChangeAspect="1"/>
+          </p:cNvPicPr>
+          <p:nvPr/>
+        </p:nvPicPr>
+        <p:blipFill>
+          <a:blip r:embed="rId1"/>
+          <a:stretch>
+            <a:fillRect/>
+          </a:stretch>
+        </p:blipFill>
+        <p:spPr>
+          <a:xfrm>
+            <a:off x="274320" y="137160"/>
+            <a:ext cx="1097280" cy="457200"/>
+          </a:xfrm>
+          <a:prstGeom prst="rect">
+            <a:avLst/>
+          </a:prstGeom>
+        </p:spPr>
+      </p:pic>
+      <p:sp>
+        <p:nvSpPr>
+          <p:cNvPr id="3" name="Shape 0"/>
           <p:cNvSpPr/>
           <p:nvPr/>
         </p:nvSpPr>
@@ -3632,7 +3792,7 @@
       </p:sp>
       <p:sp>
         <p:nvSpPr>
-          <p:cNvPr id="3" name="Text 1"/>
+          <p:cNvPr id="4" name="Text 1"/>
           <p:cNvSpPr/>
           <p:nvPr/>
         </p:nvSpPr>
@@ -3671,7 +3831,7 @@
       </p:sp>
       <p:sp>
         <p:nvSpPr>
-          <p:cNvPr id="4" name="Text 2"/>
+          <p:cNvPr id="5" name="Text 2"/>
           <p:cNvSpPr/>
           <p:nvPr/>
         </p:nvSpPr>
@@ -3710,7 +3870,7 @@
       </p:sp>
       <p:sp>
         <p:nvSpPr>
-          <p:cNvPr id="5" name="Text 3"/>
+          <p:cNvPr id="6" name="Text 3"/>
           <p:cNvSpPr/>
           <p:nvPr/>
         </p:nvSpPr>
@@ -3741,7 +3901,7 @@
                 <a:ea typeface="Arial" pitchFamily="34" charset="-122"/>
                 <a:cs typeface="Arial" pitchFamily="34" charset="-120"/>
               </a:rPr>
-              <a:t>Codificação: elaboração, visualização, chunking</a:t>
+              <a:t>Codificação: elaborar, visualizar</a:t>
             </a:r>
             <a:endParaRPr lang="en-US" sz="1500" dirty="0"/>
           </a:p>
@@ -3749,7 +3909,7 @@
       </p:sp>
       <p:sp>
         <p:nvSpPr>
-          <p:cNvPr id="6" name="Text 4"/>
+          <p:cNvPr id="7" name="Text 4"/>
           <p:cNvSpPr/>
           <p:nvPr/>
         </p:nvSpPr>
@@ -3788,7 +3948,7 @@
       </p:sp>
       <p:sp>
         <p:nvSpPr>
-          <p:cNvPr id="7" name="Text 5"/>
+          <p:cNvPr id="8" name="Text 5"/>
           <p:cNvSpPr/>
           <p:nvPr/>
         </p:nvSpPr>
@@ -3819,7 +3979,7 @@
                 <a:ea typeface="Arial" pitchFamily="34" charset="-122"/>
                 <a:cs typeface="Arial" pitchFamily="34" charset="-120"/>
               </a:rPr>
-              <a:t>Retenção: espaçamento, recall, interleaving</a:t>
+              <a:t>Retenção: espaçar, testar</a:t>
             </a:r>
             <a:endParaRPr lang="en-US" sz="1500" dirty="0"/>
           </a:p>
@@ -3827,7 +3987,7 @@
       </p:sp>
       <p:sp>
         <p:nvSpPr>
-          <p:cNvPr id="8" name="Text 6"/>
+          <p:cNvPr id="9" name="Text 6"/>
           <p:cNvSpPr/>
           <p:nvPr/>
         </p:nvSpPr>
@@ -3866,7 +4026,7 @@
       </p:sp>
       <p:sp>
         <p:nvSpPr>
-          <p:cNvPr id="9" name="Text 7"/>
+          <p:cNvPr id="10" name="Text 7"/>
           <p:cNvSpPr/>
           <p:nvPr/>
         </p:nvSpPr>
@@ -3897,7 +4057,7 @@
                 <a:ea typeface="Arial" pitchFamily="34" charset="-122"/>
                 <a:cs typeface="Arial" pitchFamily="34" charset="-120"/>
               </a:rPr>
-              <a:t>Sistema: estudo → flashcards → revisão → ensino</a:t>
+              <a:t>Sistema: estudo → flashcards → revisão</a:t>
             </a:r>
             <a:endParaRPr lang="en-US" sz="1500" dirty="0"/>
           </a:p>
@@ -3905,7 +4065,7 @@
       </p:sp>
       <p:sp>
         <p:nvSpPr>
-          <p:cNvPr id="10" name="Text 8"/>
+          <p:cNvPr id="11" name="Text 8"/>
           <p:cNvSpPr/>
           <p:nvPr/>
         </p:nvSpPr>
@@ -3944,7 +4104,7 @@
       </p:sp>
       <p:sp>
         <p:nvSpPr>
-          <p:cNvPr id="11" name="Text 9"/>
+          <p:cNvPr id="12" name="Text 9"/>
           <p:cNvSpPr/>
           <p:nvPr/>
         </p:nvSpPr>
@@ -3975,7 +4135,7 @@
                 <a:ea typeface="Arial" pitchFamily="34" charset="-122"/>
                 <a:cs typeface="Arial" pitchFamily="34" charset="-120"/>
               </a:rPr>
-              <a:t>Memorização é técnica, não dom</a:t>
+              <a:t>Memorização é técnica</a:t>
             </a:r>
             <a:endParaRPr lang="en-US" sz="1500" dirty="0"/>
           </a:p>
@@ -3992,6 +4152,13 @@
 <file path=ppt/slides/slide8.xml><?xml version="1.0" encoding="utf-8"?>
 <p:sld xmlns:a="http://schemas.openxmlformats.org/drawingml/2006/main" xmlns:r="http://schemas.openxmlformats.org/officeDocument/2006/relationships" xmlns:p="http://schemas.openxmlformats.org/presentationml/2006/main">
   <p:cSld name="Slide 8">
+    <p:bg>
+      <p:bgPr>
+        <a:solidFill>
+          <a:srgbClr val="1A1A2E"/>
+        </a:solidFill>
+      </p:bgPr>
+    </p:bg>
     <p:spTree>
       <p:nvGrpSpPr>
         <p:cNvPr id="1" name=""/>
@@ -4006,9 +4173,33 @@
           <a:chExt cx="0" cy="0"/>
         </a:xfrm>
       </p:grpSpPr>
-      <p:sp>
-        <p:nvSpPr>
-          <p:cNvPr id="2" name="Shape 0"/>
+      <p:pic>
+        <p:nvPicPr>
+          <p:cNvPr id="2" name="Image 0" descr="preencoded.png">    </p:cNvPr>
+          <p:cNvPicPr>
+            <a:picLocks noChangeAspect="1"/>
+          </p:cNvPicPr>
+          <p:nvPr/>
+        </p:nvPicPr>
+        <p:blipFill>
+          <a:blip r:embed="rId1"/>
+          <a:stretch>
+            <a:fillRect/>
+          </a:stretch>
+        </p:blipFill>
+        <p:spPr>
+          <a:xfrm>
+            <a:off x="274320" y="137160"/>
+            <a:ext cx="1097280" cy="457200"/>
+          </a:xfrm>
+          <a:prstGeom prst="rect">
+            <a:avLst/>
+          </a:prstGeom>
+        </p:spPr>
+      </p:pic>
+      <p:sp>
+        <p:nvSpPr>
+          <p:cNvPr id="3" name="Shape 0"/>
           <p:cNvSpPr/>
           <p:nvPr/>
         </p:nvSpPr>
@@ -4028,7 +4219,7 @@
       </p:sp>
       <p:sp>
         <p:nvSpPr>
-          <p:cNvPr id="3" name="Text 1"/>
+          <p:cNvPr id="4" name="Text 1"/>
           <p:cNvSpPr/>
           <p:nvPr/>
         </p:nvSpPr>
@@ -4067,7 +4258,7 @@
       </p:sp>
       <p:sp>
         <p:nvSpPr>
-          <p:cNvPr id="4" name="Shape 2"/>
+          <p:cNvPr id="5" name="Shape 2"/>
           <p:cNvSpPr/>
           <p:nvPr/>
         </p:nvSpPr>
@@ -4092,7 +4283,7 @@
       </p:sp>
       <p:sp>
         <p:nvSpPr>
-          <p:cNvPr id="5" name="Text 3"/>
+          <p:cNvPr id="6" name="Text 3"/>
           <p:cNvSpPr/>
           <p:nvPr/>
         </p:nvSpPr>
@@ -4123,7 +4314,7 @@
                 <a:ea typeface="Arial" pitchFamily="34" charset="-122"/>
                 <a:cs typeface="Arial" pitchFamily="34" charset="-120"/>
               </a:rPr>
-              <a:t>Sistema de Memorização: Escolher tópico + criar 10 flashcards + praticar recall + revisar</a:t>
+              <a:t>Sistema de Memorização: 10 flashcards + recall + revisar</a:t>
             </a:r>
             <a:endParaRPr lang="en-US" sz="1500" dirty="0"/>
           </a:p>
@@ -4131,7 +4322,7 @@
       </p:sp>
       <p:sp>
         <p:nvSpPr>
-          <p:cNvPr id="6" name="Text 4"/>
+          <p:cNvPr id="7" name="Text 4"/>
           <p:cNvSpPr/>
           <p:nvPr/>
         </p:nvSpPr>
@@ -4179,6 +4370,13 @@
 <file path=ppt/slides/slide9.xml><?xml version="1.0" encoding="utf-8"?>
 <p:sld xmlns:a="http://schemas.openxmlformats.org/drawingml/2006/main" xmlns:r="http://schemas.openxmlformats.org/officeDocument/2006/relationships" xmlns:p="http://schemas.openxmlformats.org/presentationml/2006/main">
   <p:cSld name="Slide 9">
+    <p:bg>
+      <p:bgPr>
+        <a:solidFill>
+          <a:srgbClr val="1A1A2E"/>
+        </a:solidFill>
+      </p:bgPr>
+    </p:bg>
     <p:spTree>
       <p:nvGrpSpPr>
         <p:cNvPr id="1" name=""/>
@@ -4193,9 +4391,33 @@
           <a:chExt cx="0" cy="0"/>
         </a:xfrm>
       </p:grpSpPr>
-      <p:sp>
-        <p:nvSpPr>
-          <p:cNvPr id="2" name="Shape 0"/>
+      <p:pic>
+        <p:nvPicPr>
+          <p:cNvPr id="2" name="Image 0" descr="preencoded.png">    </p:cNvPr>
+          <p:cNvPicPr>
+            <a:picLocks noChangeAspect="1"/>
+          </p:cNvPicPr>
+          <p:nvPr/>
+        </p:nvPicPr>
+        <p:blipFill>
+          <a:blip r:embed="rId1"/>
+          <a:stretch>
+            <a:fillRect/>
+          </a:stretch>
+        </p:blipFill>
+        <p:spPr>
+          <a:xfrm>
+            <a:off x="274320" y="137160"/>
+            <a:ext cx="1097280" cy="457200"/>
+          </a:xfrm>
+          <a:prstGeom prst="rect">
+            <a:avLst/>
+          </a:prstGeom>
+        </p:spPr>
+      </p:pic>
+      <p:sp>
+        <p:nvSpPr>
+          <p:cNvPr id="3" name="Shape 0"/>
           <p:cNvSpPr/>
           <p:nvPr/>
         </p:nvSpPr>
@@ -4215,7 +4437,7 @@
       </p:sp>
       <p:sp>
         <p:nvSpPr>
-          <p:cNvPr id="3" name="Text 1"/>
+          <p:cNvPr id="4" name="Text 1"/>
           <p:cNvSpPr/>
           <p:nvPr/>
         </p:nvSpPr>
@@ -4254,7 +4476,7 @@
       </p:sp>
       <p:sp>
         <p:nvSpPr>
-          <p:cNvPr id="4" name="Shape 2"/>
+          <p:cNvPr id="5" name="Shape 2"/>
           <p:cNvSpPr/>
           <p:nvPr/>
         </p:nvSpPr>
@@ -4279,7 +4501,7 @@
       </p:sp>
       <p:sp>
         <p:nvSpPr>
-          <p:cNvPr id="5" name="Text 3"/>
+          <p:cNvPr id="6" name="Text 3"/>
           <p:cNvSpPr/>
           <p:nvPr/>
         </p:nvSpPr>
@@ -4310,7 +4532,7 @@
                 <a:ea typeface="Arial" pitchFamily="34" charset="-122"/>
                 <a:cs typeface="Arial" pitchFamily="34" charset="-120"/>
               </a:rPr>
-              <a:t>"A memória não é um gravador. É um músculo. Treine-a."</a:t>
+              <a:t>"A memória é um músculo. Treine-a."</a:t>
             </a:r>
             <a:endParaRPr lang="en-US" sz="1600" dirty="0"/>
           </a:p>
@@ -4318,7 +4540,7 @@
       </p:sp>
       <p:sp>
         <p:nvSpPr>
-          <p:cNvPr id="6" name="Text 4"/>
+          <p:cNvPr id="7" name="Text 4"/>
           <p:cNvSpPr/>
           <p:nvPr/>
         </p:nvSpPr>
@@ -4357,7 +4579,7 @@
       </p:sp>
       <p:sp>
         <p:nvSpPr>
-          <p:cNvPr id="7" name="Text 5"/>
+          <p:cNvPr id="8" name="Text 5"/>
           <p:cNvSpPr/>
           <p:nvPr/>
         </p:nvSpPr>

--- a/apresentacoes/foco-produtividade/aula-10-memorizacao-retencao.pptx
+++ b/apresentacoes/foco-produtividade/aula-10-memorizacao-retencao.pptx
@@ -14,9 +14,10 @@
     <p:sldId id="262" r:id="rId8"/>
     <p:sldId id="263" r:id="rId9"/>
     <p:sldId id="264" r:id="rId10"/>
+    <p:sldId id="265" r:id="rId11"/>
   </p:sldIdLst>
   <p:notesMasterIdLst>
-    <p:notesMasterId r:id="rId11"/>
+    <p:notesMasterId r:id="rId12"/>
   </p:notesMasterIdLst>
   <p:sldSz cx="9144000" cy="5143500"/>
   <p:notesSz cx="5143500" cy="9144000"/>
@@ -510,7 +511,9 @@
           <a:p>
             <a:r>
               <a:rPr lang="en-US" dirty="0"/>
-              <a:t/>
+              <a:t>De que adianta ter foco total se, uma semana depois, você não lembra de nada do que estudou?
+Essa é a realidade de muita gente. Horas de estudo que evaporam. A sensação de que o cérebro é um balde furado. Mas não precisa ser assim.
+Hoje você vai aprender as técnicas mais eficazes, baseadas em ciência, para memorizar e reter o que estuda.</a:t>
             </a:r>
             <a:endParaRPr lang="en-US" dirty="0"/>
           </a:p>
@@ -534,6 +537,96 @@
             <a:fld id="{F7021451-1387-4CA6-816F-3879F97B5CBC}" type="slidenum">
               <a:rPr lang="en-US"/>
               <a:t>1</a:t>
+            </a:fld>
+            <a:endParaRPr lang="en-US"/>
+          </a:p>
+        </p:txBody>
+      </p:sp>
+    </p:spTree>
+    <p:extLst>
+      <p:ext uri="{BB962C8B-B14F-4D97-AF65-F5344CB8AC3E}">
+        <p14:creationId xmlns:p14="http://schemas.microsoft.com/office/powerpoint/2010/main" val="1024086991"/>
+      </p:ext>
+    </p:extLst>
+  </p:cSld>
+  <p:clrMapOvr>
+    <a:masterClrMapping/>
+  </p:clrMapOvr>
+</p:notes>
+</file>
+
+<file path=ppt/notesSlides/notesSlide10.xml><?xml version="1.0" encoding="utf-8"?>
+<p:notes xmlns:a="http://schemas.openxmlformats.org/drawingml/2006/main" xmlns:r="http://schemas.openxmlformats.org/officeDocument/2006/relationships" xmlns:p="http://schemas.openxmlformats.org/presentationml/2006/main">
+  <p:cSld>
+    <p:spTree>
+      <p:nvGrpSpPr>
+        <p:cNvPr id="1" name=""/>
+        <p:cNvGrpSpPr/>
+        <p:nvPr/>
+      </p:nvGrpSpPr>
+      <p:grpSpPr>
+        <a:xfrm>
+          <a:off x="0" y="0"/>
+          <a:ext cx="0" cy="0"/>
+          <a:chOff x="0" y="0"/>
+          <a:chExt cx="0" cy="0"/>
+        </a:xfrm>
+      </p:grpSpPr>
+      <p:sp>
+        <p:nvSpPr>
+          <p:cNvPr id="2" name="Slide Image Placeholder 1"/>
+          <p:cNvSpPr>
+            <a:spLocks noGrp="1" noRot="1" noChangeAspect="1"/>
+          </p:cNvSpPr>
+          <p:nvPr>
+            <p:ph type="sldImg"/>
+          </p:nvPr>
+        </p:nvSpPr>
+        <p:spPr/>
+      </p:sp>
+      <p:sp>
+        <p:nvSpPr>
+          <p:cNvPr id="3" name="Notes Placeholder 2"/>
+          <p:cNvSpPr>
+            <a:spLocks noGrp="1"/>
+          </p:cNvSpPr>
+          <p:nvPr>
+            <p:ph type="body" idx="1"/>
+          </p:nvPr>
+        </p:nvSpPr>
+        <p:spPr/>
+        <p:txBody>
+          <a:bodyPr/>
+          <a:lstStyle/>
+          <a:p>
+            <a:r>
+              <a:rPr lang="en-US" dirty="0"/>
+              <a:t>Memorização não é dom - é técnica. Com as estratégias certas, você pode lembrar muito mais do que estuda.
+Com isso, fechamos o Bloco Atenção! Você agora sabe proteger seu espaço atencional, criar rituais, gerenciar interrupções, eliminar ladrões de tempo e memorizar efetivamente.
+No próximo bloco (Aprendizagem), vamos explorar técnicas avançadas de leitura, mapas mentais, inteligência emocional, energia e a técnica Pomodoro.</a:t>
+            </a:r>
+            <a:endParaRPr lang="en-US" dirty="0"/>
+          </a:p>
+        </p:txBody>
+      </p:sp>
+      <p:sp>
+        <p:nvSpPr>
+          <p:cNvPr id="4" name="Slide Number Placeholder 3"/>
+          <p:cNvSpPr>
+            <a:spLocks noGrp="1"/>
+          </p:cNvSpPr>
+          <p:nvPr>
+            <p:ph type="sldNum" sz="quarter" idx="10"/>
+          </p:nvPr>
+        </p:nvSpPr>
+        <p:spPr/>
+        <p:txBody>
+          <a:bodyPr/>
+          <a:lstStyle/>
+          <a:p>
+            <a:fld id="{F7021451-1387-4CA6-816F-3879F97B5CBC}" type="slidenum">
+              <a:rPr lang="en-US"/>
+              <a:t>10</a:t>
             </a:fld>
             <a:endParaRPr lang="en-US"/>
           </a:p>
@@ -598,7 +691,8 @@
           <a:p>
             <a:r>
               <a:rPr lang="en-US" dirty="0"/>
-              <a:t/>
+              <a:t>Nesta aula, você vai aprender os conceitos principais apresentados nos objetivos. De que adianta ter foco total se, uma semana depois, você não lembra de nada do que estudou?
+Essa é a realidade de muita gente. Horas de estudo que evaporam. A sensação de que o cérebro é um balde fu</a:t>
             </a:r>
             <a:endParaRPr lang="en-US" dirty="0"/>
           </a:p>
@@ -686,7 +780,12 @@
           <a:p>
             <a:r>
               <a:rPr lang="en-US" dirty="0"/>
-              <a:t/>
+              <a:t>Como a memória funciona
+Você tem dois tipos principais de memória:
+Memória de trabalho: Limitada, temporária. É onde você processa informação no momento. Dura segundos a minutos.
+Memória de longo prazo: Ilimitada, permanente (teoricamente). É onde o conhecimento duradouro fica.
+O desafio é transferir informação da memória de trabalho para a de longo prazo. Isso se chama consolidação.
+A Curva do Esquecimento de Ebbinghaus mostra que, sem revisão, esquecemos cerca de 70% do que aprendemos em 24 horas. Parece terrível, mas a boa notícia é que revisões estratégicas podem praticamente eliminar esse esquecimento.</a:t>
             </a:r>
             <a:endParaRPr lang="en-US" dirty="0"/>
           </a:p>
@@ -774,7 +873,11 @@
           <a:p>
             <a:r>
               <a:rPr lang="en-US" dirty="0"/>
-              <a:t/>
+              <a:t>Técnicas de codificação
+Elaboração: Não apenas leia - conecte com o que você já sabe. "Isso me lembra de..." "Isso é similar a..." Quanto mais conexões, mais forte a memória.
+Visualização: Crie imagens mentais vívidas. O cérebro memoriza imagens muito melhor que texto abstrato.
+Associação (Mnemônicos): Técnicas como acrônimos (PEMDAS), histórias, método dos loci (palácio da memória).
+Chunking: Agrupe informações relacionadas. Em vez de 10 itens soltos, 3 grupos de 3-4 itens.</a:t>
             </a:r>
             <a:endParaRPr lang="en-US" dirty="0"/>
           </a:p>
@@ -862,7 +965,11 @@
           <a:p>
             <a:r>
               <a:rPr lang="en-US" dirty="0"/>
-              <a:t/>
+              <a:t>Técnicas de retenção
+Repetição Espaçada: Revise em intervalos crescentes: 1 dia, 3 dias, 7 dias, 14 dias, 30 dias. Apps como Anki automatizam isso.
+Prática de Recuperação (Active Recall): Não releia - tente lembrar. Feche o livro e escreva o que sabe. A dificuldade de lembrar fortalece a memória.
+Interleaving: Misture assuntos em vez de estudar em blocos. Parece mais difícil, mas a retenção é muito maior.
+Ensinar para Aprender: Explique o conceito para alguém (ou para você mesmo). Se não consegue explicar de forma simples, não entendeu de verdade.</a:t>
             </a:r>
             <a:endParaRPr lang="en-US" dirty="0"/>
           </a:p>
@@ -950,7 +1057,13 @@
           <a:p>
             <a:r>
               <a:rPr lang="en-US" dirty="0"/>
-              <a:t/>
+              <a:t>Criando seu sistema
+Monte um sistema prático:
+1. Durante o estudo: Use elaboração, visualização, chunking
+2. Logo após: Faça active recall - escreva o que lembra sem olhar
+3. Crie flashcards: Use Anki ou similar para repetição espaçada
+4. Revisões programadas: Siga o algoritmo de espaçamento
+5. Periodicamente: Ensine o conteúdo a alguém</a:t>
             </a:r>
             <a:endParaRPr lang="en-US" dirty="0"/>
           </a:p>
@@ -1038,7 +1151,7 @@
           <a:p>
             <a:r>
               <a:rPr lang="en-US" dirty="0"/>
-              <a:t/>
+              <a:t>Resumo dos pontos principais da aula.</a:t>
             </a:r>
             <a:endParaRPr lang="en-US" dirty="0"/>
           </a:p>
@@ -1126,7 +1239,7 @@
           <a:p>
             <a:r>
               <a:rPr lang="en-US" dirty="0"/>
-              <a:t/>
+              <a:t>Este infográfico resume visualmente os principais conceitos da aula. Use-o para reforçar o aprendizado.</a:t>
             </a:r>
             <a:endParaRPr lang="en-US" dirty="0"/>
           </a:p>
@@ -1214,7 +1327,12 @@
           <a:p>
             <a:r>
               <a:rPr lang="en-US" dirty="0"/>
-              <a:t/>
+              <a:t>Agora é hora da prática! 1. Escolha um tópico que precisa memorizar
+2. Aplique as técnicas:
+   - Elabore (conecte com conhecimento prévio)
+   - Crie visualizações
+   - Use chunking
+3. Crie 10 flashcards no Anki ou similar</a:t>
             </a:r>
             <a:endParaRPr lang="en-US" dirty="0"/>
           </a:p>
@@ -1640,7 +1758,7 @@
                 <a:ea typeface="Arial" pitchFamily="34" charset="-122"/>
                 <a:cs typeface="Arial" pitchFamily="34" charset="-120"/>
               </a:rPr>
-              <a:t>Módulo 1 - Hiperfoco | Bloco: Atenção</a:t>
+              <a:t>1 - Hiperfoco e Hiperprodutividade | Bloco: Atenção</a:t>
             </a:r>
             <a:endParaRPr lang="en-US" sz="1400" dirty="0"/>
           </a:p>
@@ -1881,7 +1999,7 @@
                 <a:ea typeface="Arial" pitchFamily="34" charset="-122"/>
                 <a:cs typeface="Arial" pitchFamily="34" charset="-120"/>
               </a:rPr>
-              <a:t>⏱ Duração: ~25 min</a:t>
+              <a:t>⏱ Duração: ~25 minutos</a:t>
             </a:r>
             <a:endParaRPr lang="en-US" sz="1100" dirty="0"/>
           </a:p>
@@ -2017,7 +2135,7 @@
       </p:sp>
       <p:pic>
         <p:nvPicPr>
-          <p:cNvPr id="16" name="Image 0" descr="preencoded.png">    </p:cNvPr>
+          <p:cNvPr id="17" name="Image 0" descr="preencoded.png">    </p:cNvPr>
           <p:cNvPicPr>
             <a:picLocks noChangeAspect="1"/>
           </p:cNvPicPr>
@@ -2033,6 +2151,382 @@
           <a:xfrm>
             <a:off x="7498080" y="4389120"/>
             <a:ext cx="1371600" cy="548640"/>
+          </a:xfrm>
+          <a:prstGeom prst="rect">
+            <a:avLst/>
+          </a:prstGeom>
+        </p:spPr>
+      </p:pic>
+    </p:spTree>
+  </p:cSld>
+  <p:clrMapOvr>
+    <a:masterClrMapping/>
+  </p:clrMapOvr>
+</p:sld>
+</file>
+
+<file path=ppt/slides/slide10.xml><?xml version="1.0" encoding="utf-8"?>
+<p:sld xmlns:a="http://schemas.openxmlformats.org/drawingml/2006/main" xmlns:r="http://schemas.openxmlformats.org/officeDocument/2006/relationships" xmlns:p="http://schemas.openxmlformats.org/presentationml/2006/main">
+  <p:cSld name="Slide 10">
+    <p:bg>
+      <p:bgPr>
+        <a:solidFill>
+          <a:srgbClr val="1A1A2E"/>
+        </a:solidFill>
+      </p:bgPr>
+    </p:bg>
+    <p:spTree>
+      <p:nvGrpSpPr>
+        <p:cNvPr id="1" name=""/>
+        <p:cNvGrpSpPr/>
+        <p:nvPr/>
+      </p:nvGrpSpPr>
+      <p:grpSpPr>
+        <a:xfrm>
+          <a:off x="0" y="0"/>
+          <a:ext cx="0" cy="0"/>
+          <a:chOff x="0" y="0"/>
+          <a:chExt cx="0" cy="0"/>
+        </a:xfrm>
+      </p:grpSpPr>
+      <p:sp>
+        <p:nvSpPr>
+          <p:cNvPr id="2" name="Shape 0"/>
+          <p:cNvSpPr/>
+          <p:nvPr/>
+        </p:nvSpPr>
+        <p:spPr>
+          <a:xfrm>
+            <a:off x="0" y="0"/>
+            <a:ext cx="9144000" cy="822960"/>
+          </a:xfrm>
+          <a:prstGeom prst="rect">
+            <a:avLst/>
+          </a:prstGeom>
+          <a:solidFill>
+            <a:srgbClr val="0F172A"/>
+          </a:solidFill>
+          <a:ln/>
+        </p:spPr>
+      </p:sp>
+      <p:sp>
+        <p:nvSpPr>
+          <p:cNvPr id="3" name="Text 1"/>
+          <p:cNvSpPr/>
+          <p:nvPr/>
+        </p:nvSpPr>
+        <p:spPr>
+          <a:xfrm>
+            <a:off x="457200" y="228600"/>
+            <a:ext cx="8229600" cy="457200"/>
+          </a:xfrm>
+          <a:prstGeom prst="rect">
+            <a:avLst/>
+          </a:prstGeom>
+          <a:noFill/>
+          <a:ln/>
+        </p:spPr>
+        <p:txBody>
+          <a:bodyPr wrap="square" rtlCol="0" anchor="ctr"/>
+          <a:lstStyle/>
+          <a:p>
+            <a:pPr indent="0" marL="0">
+              <a:buNone/>
+            </a:pPr>
+            <a:r>
+              <a:rPr lang="en-US" sz="2000" b="1" dirty="0">
+                <a:solidFill>
+                  <a:srgbClr val="FFFFFF"/>
+                </a:solidFill>
+                <a:latin typeface="Arial" pitchFamily="34" charset="0"/>
+                <a:ea typeface="Arial" pitchFamily="34" charset="-122"/>
+                <a:cs typeface="Arial" pitchFamily="34" charset="-120"/>
+              </a:rPr>
+              <a:t>Aula 10 - Encerramento</a:t>
+            </a:r>
+            <a:endParaRPr lang="en-US" sz="2000" dirty="0"/>
+          </a:p>
+        </p:txBody>
+      </p:sp>
+      <p:sp>
+        <p:nvSpPr>
+          <p:cNvPr id="4" name="Shape 2"/>
+          <p:cNvSpPr/>
+          <p:nvPr/>
+        </p:nvSpPr>
+        <p:spPr>
+          <a:xfrm>
+            <a:off x="0" y="822960"/>
+            <a:ext cx="2743200" cy="91440"/>
+          </a:xfrm>
+          <a:prstGeom prst="rect">
+            <a:avLst/>
+          </a:prstGeom>
+          <a:solidFill>
+            <a:srgbClr val="667EEA"/>
+          </a:solidFill>
+          <a:ln/>
+        </p:spPr>
+      </p:sp>
+      <p:sp>
+        <p:nvSpPr>
+          <p:cNvPr id="5" name="Shape 3"/>
+          <p:cNvSpPr/>
+          <p:nvPr/>
+        </p:nvSpPr>
+        <p:spPr>
+          <a:xfrm>
+            <a:off x="3200400" y="822960"/>
+            <a:ext cx="2743200" cy="91440"/>
+          </a:xfrm>
+          <a:prstGeom prst="rect">
+            <a:avLst/>
+          </a:prstGeom>
+          <a:solidFill>
+            <a:srgbClr val="22C55E"/>
+          </a:solidFill>
+          <a:ln/>
+        </p:spPr>
+      </p:sp>
+      <p:sp>
+        <p:nvSpPr>
+          <p:cNvPr id="6" name="Shape 4"/>
+          <p:cNvSpPr/>
+          <p:nvPr/>
+        </p:nvSpPr>
+        <p:spPr>
+          <a:xfrm>
+            <a:off x="6400800" y="822960"/>
+            <a:ext cx="2743200" cy="91440"/>
+          </a:xfrm>
+          <a:prstGeom prst="rect">
+            <a:avLst/>
+          </a:prstGeom>
+          <a:solidFill>
+            <a:srgbClr val="3B82F6"/>
+          </a:solidFill>
+          <a:ln/>
+        </p:spPr>
+      </p:sp>
+      <p:sp>
+        <p:nvSpPr>
+          <p:cNvPr id="7" name="Shape 5"/>
+          <p:cNvSpPr/>
+          <p:nvPr/>
+        </p:nvSpPr>
+        <p:spPr>
+          <a:xfrm>
+            <a:off x="914400" y="1371600"/>
+            <a:ext cx="7315200" cy="1828800"/>
+          </a:xfrm>
+          <a:prstGeom prst="roundRect">
+            <a:avLst/>
+          </a:prstGeom>
+          <a:solidFill>
+            <a:srgbClr val="2A2A4A"/>
+          </a:solidFill>
+          <a:ln w="25400">
+            <a:solidFill>
+              <a:srgbClr val="667EEA"/>
+            </a:solidFill>
+            <a:prstDash val="solid"/>
+          </a:ln>
+        </p:spPr>
+      </p:sp>
+      <p:sp>
+        <p:nvSpPr>
+          <p:cNvPr id="8" name="Text 6"/>
+          <p:cNvSpPr/>
+          <p:nvPr/>
+        </p:nvSpPr>
+        <p:spPr>
+          <a:xfrm>
+            <a:off x="1097280" y="1371600"/>
+            <a:ext cx="457200" cy="731520"/>
+          </a:xfrm>
+          <a:prstGeom prst="rect">
+            <a:avLst/>
+          </a:prstGeom>
+          <a:noFill/>
+          <a:ln/>
+        </p:spPr>
+        <p:txBody>
+          <a:bodyPr wrap="square" rtlCol="0" anchor="ctr"/>
+          <a:lstStyle/>
+          <a:p>
+            <a:pPr indent="0" marL="0">
+              <a:buNone/>
+            </a:pPr>
+            <a:r>
+              <a:rPr lang="en-US" sz="4800" i="1" dirty="0">
+                <a:solidFill>
+                  <a:srgbClr val="667EEA"/>
+                </a:solidFill>
+                <a:latin typeface="Georgia" pitchFamily="34" charset="0"/>
+                <a:ea typeface="Georgia" pitchFamily="34" charset="-122"/>
+                <a:cs typeface="Georgia" pitchFamily="34" charset="-120"/>
+              </a:rPr>
+              <a:t>"</a:t>
+            </a:r>
+            <a:endParaRPr lang="en-US" sz="4800" dirty="0"/>
+          </a:p>
+        </p:txBody>
+      </p:sp>
+      <p:sp>
+        <p:nvSpPr>
+          <p:cNvPr id="9" name="Text 7"/>
+          <p:cNvSpPr/>
+          <p:nvPr/>
+        </p:nvSpPr>
+        <p:spPr>
+          <a:xfrm>
+            <a:off x="1371600" y="1737360"/>
+            <a:ext cx="6400800" cy="1097280"/>
+          </a:xfrm>
+          <a:prstGeom prst="rect">
+            <a:avLst/>
+          </a:prstGeom>
+          <a:noFill/>
+          <a:ln/>
+        </p:spPr>
+        <p:txBody>
+          <a:bodyPr wrap="square" rtlCol="0" anchor="ctr"/>
+          <a:lstStyle/>
+          <a:p>
+            <a:pPr algn="ctr" indent="0" marL="0">
+              <a:buNone/>
+            </a:pPr>
+            <a:r>
+              <a:rPr lang="en-US" sz="1600" i="1" dirty="0">
+                <a:solidFill>
+                  <a:srgbClr val="FFFFFF"/>
+                </a:solidFill>
+                <a:latin typeface="Arial" pitchFamily="34" charset="0"/>
+                <a:ea typeface="Arial" pitchFamily="34" charset="-122"/>
+                <a:cs typeface="Arial" pitchFamily="34" charset="-120"/>
+              </a:rPr>
+              <a:t>A memória não é um gravador. É um músculo. Treine-a com as técnicas certas.</a:t>
+            </a:r>
+            <a:endParaRPr lang="en-US" sz="1600" dirty="0"/>
+          </a:p>
+        </p:txBody>
+      </p:sp>
+      <p:sp>
+        <p:nvSpPr>
+          <p:cNvPr id="10" name="Shape 8"/>
+          <p:cNvSpPr/>
+          <p:nvPr/>
+        </p:nvSpPr>
+        <p:spPr>
+          <a:xfrm>
+            <a:off x="0" y="3840480"/>
+            <a:ext cx="9144000" cy="822960"/>
+          </a:xfrm>
+          <a:prstGeom prst="rect">
+            <a:avLst/>
+          </a:prstGeom>
+          <a:solidFill>
+            <a:srgbClr val="0F172A"/>
+          </a:solidFill>
+          <a:ln/>
+        </p:spPr>
+      </p:sp>
+      <p:sp>
+        <p:nvSpPr>
+          <p:cNvPr id="11" name="Text 9"/>
+          <p:cNvSpPr/>
+          <p:nvPr/>
+        </p:nvSpPr>
+        <p:spPr>
+          <a:xfrm>
+            <a:off x="457200" y="3977640"/>
+            <a:ext cx="3657600" cy="274320"/>
+          </a:xfrm>
+          <a:prstGeom prst="rect">
+            <a:avLst/>
+          </a:prstGeom>
+          <a:noFill/>
+          <a:ln/>
+        </p:spPr>
+        <p:txBody>
+          <a:bodyPr wrap="square" rtlCol="0" anchor="ctr"/>
+          <a:lstStyle/>
+          <a:p>
+            <a:pPr indent="0" marL="0">
+              <a:buNone/>
+            </a:pPr>
+            <a:r>
+              <a:rPr lang="en-US" sz="1400" b="1" dirty="0">
+                <a:solidFill>
+                  <a:srgbClr val="22C55E"/>
+                </a:solidFill>
+                <a:latin typeface="Arial" pitchFamily="34" charset="0"/>
+                <a:ea typeface="Arial" pitchFamily="34" charset="-122"/>
+                <a:cs typeface="Arial" pitchFamily="34" charset="-120"/>
+              </a:rPr>
+              <a:t>Educa com Talento</a:t>
+            </a:r>
+            <a:endParaRPr lang="en-US" sz="1400" dirty="0"/>
+          </a:p>
+        </p:txBody>
+      </p:sp>
+      <p:sp>
+        <p:nvSpPr>
+          <p:cNvPr id="12" name="Text 10"/>
+          <p:cNvSpPr/>
+          <p:nvPr/>
+        </p:nvSpPr>
+        <p:spPr>
+          <a:xfrm>
+            <a:off x="457200" y="4251960"/>
+            <a:ext cx="3657600" cy="228600"/>
+          </a:xfrm>
+          <a:prstGeom prst="rect">
+            <a:avLst/>
+          </a:prstGeom>
+          <a:noFill/>
+          <a:ln/>
+        </p:spPr>
+        <p:txBody>
+          <a:bodyPr wrap="square" rtlCol="0" anchor="ctr"/>
+          <a:lstStyle/>
+          <a:p>
+            <a:pPr indent="0" marL="0">
+              <a:buNone/>
+            </a:pPr>
+            <a:r>
+              <a:rPr lang="en-US" sz="1000" dirty="0">
+                <a:solidFill>
+                  <a:srgbClr val="667EEA"/>
+                </a:solidFill>
+                <a:latin typeface="Arial" pitchFamily="34" charset="0"/>
+                <a:ea typeface="Arial" pitchFamily="34" charset="-122"/>
+                <a:cs typeface="Arial" pitchFamily="34" charset="-120"/>
+              </a:rPr>
+              <a:t>www.educacomtalento.com.br</a:t>
+            </a:r>
+            <a:endParaRPr lang="en-US" sz="1000" dirty="0"/>
+          </a:p>
+        </p:txBody>
+      </p:sp>
+      <p:pic>
+        <p:nvPicPr>
+          <p:cNvPr id="14" name="Image 0" descr="preencoded.png">    </p:cNvPr>
+          <p:cNvPicPr>
+            <a:picLocks noChangeAspect="1"/>
+          </p:cNvPicPr>
+          <p:nvPr/>
+        </p:nvPicPr>
+        <p:blipFill>
+          <a:blip r:embed="rId1"/>
+          <a:stretch>
+            <a:fillRect/>
+          </a:stretch>
+        </p:blipFill>
+        <p:spPr>
+          <a:xfrm>
+            <a:off x="6400800" y="3886200"/>
+            <a:ext cx="2286000" cy="914400"/>
           </a:xfrm>
           <a:prstGeom prst="rect">
             <a:avLst/>
@@ -2138,375 +2632,6 @@
         </p:nvSpPr>
         <p:spPr>
           <a:xfrm>
-            <a:off x="457200" y="1097280"/>
-            <a:ext cx="8229600" cy="822960"/>
-          </a:xfrm>
-          <a:prstGeom prst="roundRect">
-            <a:avLst/>
-          </a:prstGeom>
-          <a:solidFill>
-            <a:srgbClr val="2A2A4A"/>
-          </a:solidFill>
-          <a:ln w="25400">
-            <a:solidFill>
-              <a:srgbClr val="667EEA"/>
-            </a:solidFill>
-            <a:prstDash val="solid"/>
-          </a:ln>
-        </p:spPr>
-      </p:sp>
-      <p:sp>
-        <p:nvSpPr>
-          <p:cNvPr id="5" name="Shape 3"/>
-          <p:cNvSpPr/>
-          <p:nvPr/>
-        </p:nvSpPr>
-        <p:spPr>
-          <a:xfrm>
-            <a:off x="640080" y="1234440"/>
-            <a:ext cx="548640" cy="548640"/>
-          </a:xfrm>
-          <a:prstGeom prst="ellipse">
-            <a:avLst/>
-          </a:prstGeom>
-          <a:solidFill>
-            <a:srgbClr val="667EEA"/>
-          </a:solidFill>
-          <a:ln/>
-        </p:spPr>
-      </p:sp>
-      <p:sp>
-        <p:nvSpPr>
-          <p:cNvPr id="6" name="Text 4"/>
-          <p:cNvSpPr/>
-          <p:nvPr/>
-        </p:nvSpPr>
-        <p:spPr>
-          <a:xfrm>
-            <a:off x="640080" y="1325880"/>
-            <a:ext cx="548640" cy="365760"/>
-          </a:xfrm>
-          <a:prstGeom prst="rect">
-            <a:avLst/>
-          </a:prstGeom>
-          <a:noFill/>
-          <a:ln/>
-        </p:spPr>
-        <p:txBody>
-          <a:bodyPr wrap="square" rtlCol="0" anchor="ctr"/>
-          <a:lstStyle/>
-          <a:p>
-            <a:pPr algn="ctr" indent="0" marL="0">
-              <a:buNone/>
-            </a:pPr>
-            <a:r>
-              <a:rPr lang="en-US" sz="1800" b="1" dirty="0">
-                <a:solidFill>
-                  <a:srgbClr val="FFFFFF"/>
-                </a:solidFill>
-                <a:latin typeface="Arial" pitchFamily="34" charset="0"/>
-                <a:ea typeface="Arial" pitchFamily="34" charset="-122"/>
-                <a:cs typeface="Arial" pitchFamily="34" charset="-120"/>
-              </a:rPr>
-              <a:t>1</a:t>
-            </a:r>
-            <a:endParaRPr lang="en-US" sz="1800" dirty="0"/>
-          </a:p>
-        </p:txBody>
-      </p:sp>
-      <p:sp>
-        <p:nvSpPr>
-          <p:cNvPr id="7" name="Text 5"/>
-          <p:cNvSpPr/>
-          <p:nvPr/>
-        </p:nvSpPr>
-        <p:spPr>
-          <a:xfrm>
-            <a:off x="1371600" y="1325880"/>
-            <a:ext cx="7132320" cy="457200"/>
-          </a:xfrm>
-          <a:prstGeom prst="rect">
-            <a:avLst/>
-          </a:prstGeom>
-          <a:noFill/>
-          <a:ln/>
-        </p:spPr>
-        <p:txBody>
-          <a:bodyPr wrap="square" rtlCol="0" anchor="ctr"/>
-          <a:lstStyle/>
-          <a:p>
-            <a:pPr indent="0" marL="0">
-              <a:buNone/>
-            </a:pPr>
-            <a:r>
-              <a:rPr lang="en-US" sz="1600" dirty="0">
-                <a:solidFill>
-                  <a:srgbClr val="FFFFFF"/>
-                </a:solidFill>
-                <a:latin typeface="Arial" pitchFamily="34" charset="0"/>
-                <a:ea typeface="Arial" pitchFamily="34" charset="-122"/>
-                <a:cs typeface="Arial" pitchFamily="34" charset="-120"/>
-              </a:rPr>
-              <a:t>Entender como a memória funciona</a:t>
-            </a:r>
-            <a:endParaRPr lang="en-US" sz="1600" dirty="0"/>
-          </a:p>
-        </p:txBody>
-      </p:sp>
-      <p:sp>
-        <p:nvSpPr>
-          <p:cNvPr id="8" name="Shape 6"/>
-          <p:cNvSpPr/>
-          <p:nvPr/>
-        </p:nvSpPr>
-        <p:spPr>
-          <a:xfrm>
-            <a:off x="457200" y="2103120"/>
-            <a:ext cx="8229600" cy="822960"/>
-          </a:xfrm>
-          <a:prstGeom prst="roundRect">
-            <a:avLst/>
-          </a:prstGeom>
-          <a:solidFill>
-            <a:srgbClr val="2A2A4A"/>
-          </a:solidFill>
-          <a:ln w="25400">
-            <a:solidFill>
-              <a:srgbClr val="22C55E"/>
-            </a:solidFill>
-            <a:prstDash val="solid"/>
-          </a:ln>
-        </p:spPr>
-      </p:sp>
-      <p:sp>
-        <p:nvSpPr>
-          <p:cNvPr id="9" name="Shape 7"/>
-          <p:cNvSpPr/>
-          <p:nvPr/>
-        </p:nvSpPr>
-        <p:spPr>
-          <a:xfrm>
-            <a:off x="640080" y="2240280"/>
-            <a:ext cx="548640" cy="548640"/>
-          </a:xfrm>
-          <a:prstGeom prst="ellipse">
-            <a:avLst/>
-          </a:prstGeom>
-          <a:solidFill>
-            <a:srgbClr val="22C55E"/>
-          </a:solidFill>
-          <a:ln/>
-        </p:spPr>
-      </p:sp>
-      <p:sp>
-        <p:nvSpPr>
-          <p:cNvPr id="10" name="Text 8"/>
-          <p:cNvSpPr/>
-          <p:nvPr/>
-        </p:nvSpPr>
-        <p:spPr>
-          <a:xfrm>
-            <a:off x="640080" y="2331720"/>
-            <a:ext cx="548640" cy="365760"/>
-          </a:xfrm>
-          <a:prstGeom prst="rect">
-            <a:avLst/>
-          </a:prstGeom>
-          <a:noFill/>
-          <a:ln/>
-        </p:spPr>
-        <p:txBody>
-          <a:bodyPr wrap="square" rtlCol="0" anchor="ctr"/>
-          <a:lstStyle/>
-          <a:p>
-            <a:pPr algn="ctr" indent="0" marL="0">
-              <a:buNone/>
-            </a:pPr>
-            <a:r>
-              <a:rPr lang="en-US" sz="1800" b="1" dirty="0">
-                <a:solidFill>
-                  <a:srgbClr val="FFFFFF"/>
-                </a:solidFill>
-                <a:latin typeface="Arial" pitchFamily="34" charset="0"/>
-                <a:ea typeface="Arial" pitchFamily="34" charset="-122"/>
-                <a:cs typeface="Arial" pitchFamily="34" charset="-120"/>
-              </a:rPr>
-              <a:t>2</a:t>
-            </a:r>
-            <a:endParaRPr lang="en-US" sz="1800" dirty="0"/>
-          </a:p>
-        </p:txBody>
-      </p:sp>
-      <p:sp>
-        <p:nvSpPr>
-          <p:cNvPr id="11" name="Text 9"/>
-          <p:cNvSpPr/>
-          <p:nvPr/>
-        </p:nvSpPr>
-        <p:spPr>
-          <a:xfrm>
-            <a:off x="1371600" y="2331720"/>
-            <a:ext cx="7132320" cy="457200"/>
-          </a:xfrm>
-          <a:prstGeom prst="rect">
-            <a:avLst/>
-          </a:prstGeom>
-          <a:noFill/>
-          <a:ln/>
-        </p:spPr>
-        <p:txBody>
-          <a:bodyPr wrap="square" rtlCol="0" anchor="ctr"/>
-          <a:lstStyle/>
-          <a:p>
-            <a:pPr indent="0" marL="0">
-              <a:buNone/>
-            </a:pPr>
-            <a:r>
-              <a:rPr lang="en-US" sz="1600" dirty="0">
-                <a:solidFill>
-                  <a:srgbClr val="FFFFFF"/>
-                </a:solidFill>
-                <a:latin typeface="Arial" pitchFamily="34" charset="0"/>
-                <a:ea typeface="Arial" pitchFamily="34" charset="-122"/>
-                <a:cs typeface="Arial" pitchFamily="34" charset="-120"/>
-              </a:rPr>
-              <a:t>Aplicar técnicas de codificação</a:t>
-            </a:r>
-            <a:endParaRPr lang="en-US" sz="1600" dirty="0"/>
-          </a:p>
-        </p:txBody>
-      </p:sp>
-      <p:sp>
-        <p:nvSpPr>
-          <p:cNvPr id="12" name="Shape 10"/>
-          <p:cNvSpPr/>
-          <p:nvPr/>
-        </p:nvSpPr>
-        <p:spPr>
-          <a:xfrm>
-            <a:off x="457200" y="3108960"/>
-            <a:ext cx="8229600" cy="822960"/>
-          </a:xfrm>
-          <a:prstGeom prst="roundRect">
-            <a:avLst/>
-          </a:prstGeom>
-          <a:solidFill>
-            <a:srgbClr val="2A2A4A"/>
-          </a:solidFill>
-          <a:ln w="25400">
-            <a:solidFill>
-              <a:srgbClr val="3B82F6"/>
-            </a:solidFill>
-            <a:prstDash val="solid"/>
-          </a:ln>
-        </p:spPr>
-      </p:sp>
-      <p:sp>
-        <p:nvSpPr>
-          <p:cNvPr id="13" name="Shape 11"/>
-          <p:cNvSpPr/>
-          <p:nvPr/>
-        </p:nvSpPr>
-        <p:spPr>
-          <a:xfrm>
-            <a:off x="640080" y="3246120"/>
-            <a:ext cx="548640" cy="548640"/>
-          </a:xfrm>
-          <a:prstGeom prst="ellipse">
-            <a:avLst/>
-          </a:prstGeom>
-          <a:solidFill>
-            <a:srgbClr val="3B82F6"/>
-          </a:solidFill>
-          <a:ln/>
-        </p:spPr>
-      </p:sp>
-      <p:sp>
-        <p:nvSpPr>
-          <p:cNvPr id="14" name="Text 12"/>
-          <p:cNvSpPr/>
-          <p:nvPr/>
-        </p:nvSpPr>
-        <p:spPr>
-          <a:xfrm>
-            <a:off x="640080" y="3337560"/>
-            <a:ext cx="548640" cy="365760"/>
-          </a:xfrm>
-          <a:prstGeom prst="rect">
-            <a:avLst/>
-          </a:prstGeom>
-          <a:noFill/>
-          <a:ln/>
-        </p:spPr>
-        <p:txBody>
-          <a:bodyPr wrap="square" rtlCol="0" anchor="ctr"/>
-          <a:lstStyle/>
-          <a:p>
-            <a:pPr algn="ctr" indent="0" marL="0">
-              <a:buNone/>
-            </a:pPr>
-            <a:r>
-              <a:rPr lang="en-US" sz="1800" b="1" dirty="0">
-                <a:solidFill>
-                  <a:srgbClr val="FFFFFF"/>
-                </a:solidFill>
-                <a:latin typeface="Arial" pitchFamily="34" charset="0"/>
-                <a:ea typeface="Arial" pitchFamily="34" charset="-122"/>
-                <a:cs typeface="Arial" pitchFamily="34" charset="-120"/>
-              </a:rPr>
-              <a:t>3</a:t>
-            </a:r>
-            <a:endParaRPr lang="en-US" sz="1800" dirty="0"/>
-          </a:p>
-        </p:txBody>
-      </p:sp>
-      <p:sp>
-        <p:nvSpPr>
-          <p:cNvPr id="15" name="Text 13"/>
-          <p:cNvSpPr/>
-          <p:nvPr/>
-        </p:nvSpPr>
-        <p:spPr>
-          <a:xfrm>
-            <a:off x="1371600" y="3337560"/>
-            <a:ext cx="7132320" cy="457200"/>
-          </a:xfrm>
-          <a:prstGeom prst="rect">
-            <a:avLst/>
-          </a:prstGeom>
-          <a:noFill/>
-          <a:ln/>
-        </p:spPr>
-        <p:txBody>
-          <a:bodyPr wrap="square" rtlCol="0" anchor="ctr"/>
-          <a:lstStyle/>
-          <a:p>
-            <a:pPr indent="0" marL="0">
-              <a:buNone/>
-            </a:pPr>
-            <a:r>
-              <a:rPr lang="en-US" sz="1600" dirty="0">
-                <a:solidFill>
-                  <a:srgbClr val="FFFFFF"/>
-                </a:solidFill>
-                <a:latin typeface="Arial" pitchFamily="34" charset="0"/>
-                <a:ea typeface="Arial" pitchFamily="34" charset="-122"/>
-                <a:cs typeface="Arial" pitchFamily="34" charset="-120"/>
-              </a:rPr>
-              <a:t>Criar sistema pessoal de retenção</a:t>
-            </a:r>
-            <a:endParaRPr lang="en-US" sz="1600" dirty="0"/>
-          </a:p>
-        </p:txBody>
-      </p:sp>
-      <p:sp>
-        <p:nvSpPr>
-          <p:cNvPr id="16" name="Shape 14"/>
-          <p:cNvSpPr/>
-          <p:nvPr/>
-        </p:nvSpPr>
-        <p:spPr>
-          <a:xfrm>
             <a:off x="8869680" y="1097280"/>
             <a:ext cx="91440" cy="3017520"/>
           </a:xfrm>
@@ -2521,7 +2646,7 @@
       </p:sp>
       <p:pic>
         <p:nvPicPr>
-          <p:cNvPr id="17" name="Image 0" descr="preencoded.png">    </p:cNvPr>
+          <p:cNvPr id="6" name="Image 0" descr="preencoded.png">    </p:cNvPr>
           <p:cNvPicPr>
             <a:picLocks noChangeAspect="1"/>
           </p:cNvPicPr>
@@ -2707,7 +2832,7 @@
                 <a:ea typeface="Arial" pitchFamily="34" charset="-122"/>
                 <a:cs typeface="Arial" pitchFamily="34" charset="-120"/>
               </a:rPr>
-              <a:t>Como a Memória Funciona</a:t>
+              <a:t>Como a memória funciona</a:t>
             </a:r>
             <a:endParaRPr lang="en-US" sz="2000" dirty="0"/>
           </a:p>
@@ -3099,37 +3224,7 @@
           <a:solidFill>
             <a:srgbClr val="667EEA"/>
           </a:solidFill>
-          <a:ln w="12700">
-            <a:solidFill>
-              <a:srgbClr val="000000"/>
-            </a:solidFill>
-            <a:prstDash val="solid"/>
-          </a:ln>
-        </p:spPr>
-      </p:sp>
-      <p:sp>
-        <p:nvSpPr>
-          <p:cNvPr id="20" name="Shape 18"/>
-          <p:cNvSpPr/>
-          <p:nvPr/>
-        </p:nvSpPr>
-        <p:spPr>
-          <a:xfrm>
-            <a:off x="8503920" y="4297680"/>
-            <a:ext cx="274320" cy="274320"/>
-          </a:xfrm>
-          <a:prstGeom prst="rect">
-            <a:avLst/>
-          </a:prstGeom>
-          <a:solidFill>
-            <a:srgbClr val="2A2A4A"/>
-          </a:solidFill>
-          <a:ln w="12700">
-            <a:solidFill>
-              <a:srgbClr val="667EEA"/>
-            </a:solidFill>
-            <a:prstDash val="solid"/>
-          </a:ln>
+          <a:ln/>
         </p:spPr>
       </p:sp>
       <p:pic>
@@ -3320,7 +3415,7 @@
                 <a:ea typeface="Arial" pitchFamily="34" charset="-122"/>
                 <a:cs typeface="Arial" pitchFamily="34" charset="-120"/>
               </a:rPr>
-              <a:t>Técnicas de Codificação</a:t>
+              <a:t>Técnicas de codificação</a:t>
             </a:r>
             <a:endParaRPr lang="en-US" sz="2000" dirty="0"/>
           </a:p>
@@ -3443,7 +3538,7 @@
                 <a:ea typeface="Arial" pitchFamily="34" charset="-122"/>
                 <a:cs typeface="Arial" pitchFamily="34" charset="-120"/>
               </a:rPr>
-              <a:t>Elaboração: conectar com o que sabe</a:t>
+              <a:t>Elaboração (conectar com o que sabe)</a:t>
             </a:r>
             <a:endParaRPr lang="en-US" sz="1400" dirty="0"/>
           </a:p>
@@ -3566,7 +3661,7 @@
                 <a:ea typeface="Arial" pitchFamily="34" charset="-122"/>
                 <a:cs typeface="Arial" pitchFamily="34" charset="-120"/>
               </a:rPr>
-              <a:t>Visualização: criar imagens mentais</a:t>
+              <a:t>Visualização (imagens mentais)</a:t>
             </a:r>
             <a:endParaRPr lang="en-US" sz="1400" dirty="0"/>
           </a:p>
@@ -3689,7 +3784,7 @@
                 <a:ea typeface="Arial" pitchFamily="34" charset="-122"/>
                 <a:cs typeface="Arial" pitchFamily="34" charset="-120"/>
               </a:rPr>
-              <a:t>Mnemônicos: acrônimos e histórias</a:t>
+              <a:t>Associação (mnemônicos)</a:t>
             </a:r>
             <a:endParaRPr lang="en-US" sz="1400" dirty="0"/>
           </a:p>
@@ -3812,7 +3907,7 @@
                 <a:ea typeface="Arial" pitchFamily="34" charset="-122"/>
                 <a:cs typeface="Arial" pitchFamily="34" charset="-120"/>
               </a:rPr>
-              <a:t>Chunking: agrupar informações</a:t>
+              <a:t>Chunking (agrupamento)</a:t>
             </a:r>
             <a:endParaRPr lang="en-US" sz="1400" dirty="0"/>
           </a:p>
@@ -3835,37 +3930,7 @@
           <a:solidFill>
             <a:srgbClr val="22C55E"/>
           </a:solidFill>
-          <a:ln w="12700">
-            <a:solidFill>
-              <a:srgbClr val="000000"/>
-            </a:solidFill>
-            <a:prstDash val="solid"/>
-          </a:ln>
-        </p:spPr>
-      </p:sp>
-      <p:sp>
-        <p:nvSpPr>
-          <p:cNvPr id="24" name="Shape 22"/>
-          <p:cNvSpPr/>
-          <p:nvPr/>
-        </p:nvSpPr>
-        <p:spPr>
-          <a:xfrm>
-            <a:off x="8503920" y="4297680"/>
-            <a:ext cx="274320" cy="274320"/>
-          </a:xfrm>
-          <a:prstGeom prst="rect">
-            <a:avLst/>
-          </a:prstGeom>
-          <a:solidFill>
-            <a:srgbClr val="2A2A4A"/>
-          </a:solidFill>
-          <a:ln w="12700">
-            <a:solidFill>
-              <a:srgbClr val="22C55E"/>
-            </a:solidFill>
-            <a:prstDash val="solid"/>
-          </a:ln>
+          <a:ln/>
         </p:spPr>
       </p:sp>
       <p:pic>
@@ -4056,7 +4121,7 @@
                 <a:ea typeface="Arial" pitchFamily="34" charset="-122"/>
                 <a:cs typeface="Arial" pitchFamily="34" charset="-120"/>
               </a:rPr>
-              <a:t>Técnicas de Retenção</a:t>
+              <a:t>Técnicas de retenção</a:t>
             </a:r>
             <a:endParaRPr lang="en-US" sz="2000" dirty="0"/>
           </a:p>
@@ -4179,7 +4244,7 @@
                 <a:ea typeface="Arial" pitchFamily="34" charset="-122"/>
                 <a:cs typeface="Arial" pitchFamily="34" charset="-120"/>
               </a:rPr>
-              <a:t>Repetição espaçada: 1-3-7-14-30 dias</a:t>
+              <a:t>Repetição espaçada</a:t>
             </a:r>
             <a:endParaRPr lang="en-US" sz="1400" dirty="0"/>
           </a:p>
@@ -4302,7 +4367,7 @@
                 <a:ea typeface="Arial" pitchFamily="34" charset="-122"/>
                 <a:cs typeface="Arial" pitchFamily="34" charset="-120"/>
               </a:rPr>
-              <a:t>Active recall: testar &gt; reler</a:t>
+              <a:t>Prática de recuperação (active recall)</a:t>
             </a:r>
             <a:endParaRPr lang="en-US" sz="1400" dirty="0"/>
           </a:p>
@@ -4425,7 +4490,7 @@
                 <a:ea typeface="Arial" pitchFamily="34" charset="-122"/>
                 <a:cs typeface="Arial" pitchFamily="34" charset="-120"/>
               </a:rPr>
-              <a:t>Interleaving: misturar assuntos</a:t>
+              <a:t>Interleaving (misturar assuntos)</a:t>
             </a:r>
             <a:endParaRPr lang="en-US" sz="1400" dirty="0"/>
           </a:p>
@@ -4571,37 +4636,7 @@
           <a:solidFill>
             <a:srgbClr val="3B82F6"/>
           </a:solidFill>
-          <a:ln w="12700">
-            <a:solidFill>
-              <a:srgbClr val="000000"/>
-            </a:solidFill>
-            <a:prstDash val="solid"/>
-          </a:ln>
-        </p:spPr>
-      </p:sp>
-      <p:sp>
-        <p:nvSpPr>
-          <p:cNvPr id="24" name="Shape 22"/>
-          <p:cNvSpPr/>
-          <p:nvPr/>
-        </p:nvSpPr>
-        <p:spPr>
-          <a:xfrm>
-            <a:off x="8503920" y="4297680"/>
-            <a:ext cx="274320" cy="274320"/>
-          </a:xfrm>
-          <a:prstGeom prst="rect">
-            <a:avLst/>
-          </a:prstGeom>
-          <a:solidFill>
-            <a:srgbClr val="2A2A4A"/>
-          </a:solidFill>
-          <a:ln w="12700">
-            <a:solidFill>
-              <a:srgbClr val="3B82F6"/>
-            </a:solidFill>
-            <a:prstDash val="solid"/>
-          </a:ln>
+          <a:ln/>
         </p:spPr>
       </p:sp>
       <p:pic>
@@ -4792,7 +4827,7 @@
                 <a:ea typeface="Arial" pitchFamily="34" charset="-122"/>
                 <a:cs typeface="Arial" pitchFamily="34" charset="-120"/>
               </a:rPr>
-              <a:t>Seu Sistema</a:t>
+              <a:t>Criando seu sistema</a:t>
             </a:r>
             <a:endParaRPr lang="en-US" sz="2000" dirty="0"/>
           </a:p>
@@ -4807,7 +4842,7 @@
         <p:spPr>
           <a:xfrm>
             <a:off x="457200" y="1097280"/>
-            <a:ext cx="8229600" cy="777240"/>
+            <a:ext cx="3931920" cy="777240"/>
           </a:xfrm>
           <a:prstGeom prst="roundRect">
             <a:avLst/>
@@ -4891,7 +4926,7 @@
         <p:spPr>
           <a:xfrm>
             <a:off x="960120" y="1325880"/>
-            <a:ext cx="7498080" cy="411480"/>
+            <a:ext cx="3200400" cy="411480"/>
           </a:xfrm>
           <a:prstGeom prst="rect">
             <a:avLst/>
@@ -4915,7 +4950,7 @@
                 <a:ea typeface="Arial" pitchFamily="34" charset="-122"/>
                 <a:cs typeface="Arial" pitchFamily="34" charset="-120"/>
               </a:rPr>
-              <a:t>Flashcards com Anki</a:t>
+              <a:t>Flashcards inteligentes (Anki)</a:t>
             </a:r>
             <a:endParaRPr lang="en-US" sz="1400" dirty="0"/>
           </a:p>
@@ -4929,8 +4964,8 @@
         </p:nvSpPr>
         <p:spPr>
           <a:xfrm>
-            <a:off x="457200" y="2011680"/>
-            <a:ext cx="8229600" cy="777240"/>
+            <a:off x="4572000" y="1097280"/>
+            <a:ext cx="3931920" cy="777240"/>
           </a:xfrm>
           <a:prstGeom prst="roundRect">
             <a:avLst/>
@@ -4954,7 +4989,7 @@
         </p:nvSpPr>
         <p:spPr>
           <a:xfrm>
-            <a:off x="457200" y="2011680"/>
+            <a:off x="4572000" y="1097280"/>
             <a:ext cx="109728" cy="777240"/>
           </a:xfrm>
           <a:prstGeom prst="rect">
@@ -4974,7 +5009,7 @@
         </p:nvSpPr>
         <p:spPr>
           <a:xfrm>
-            <a:off x="685800" y="2240280"/>
+            <a:off x="4800600" y="1325880"/>
             <a:ext cx="274320" cy="320040"/>
           </a:xfrm>
           <a:prstGeom prst="rect">
@@ -5013,8 +5048,8 @@
         </p:nvSpPr>
         <p:spPr>
           <a:xfrm>
-            <a:off x="960120" y="2240280"/>
-            <a:ext cx="7498080" cy="411480"/>
+            <a:off x="5074920" y="1325880"/>
+            <a:ext cx="3200400" cy="411480"/>
           </a:xfrm>
           <a:prstGeom prst="rect">
             <a:avLst/>
@@ -5052,8 +5087,8 @@
         </p:nvSpPr>
         <p:spPr>
           <a:xfrm>
-            <a:off x="457200" y="2926080"/>
-            <a:ext cx="8229600" cy="777240"/>
+            <a:off x="457200" y="2011680"/>
+            <a:ext cx="3931920" cy="777240"/>
           </a:xfrm>
           <a:prstGeom prst="roundRect">
             <a:avLst/>
@@ -5077,7 +5112,7 @@
         </p:nvSpPr>
         <p:spPr>
           <a:xfrm>
-            <a:off x="457200" y="2926080"/>
+            <a:off x="457200" y="2011680"/>
             <a:ext cx="109728" cy="777240"/>
           </a:xfrm>
           <a:prstGeom prst="rect">
@@ -5097,7 +5132,7 @@
         </p:nvSpPr>
         <p:spPr>
           <a:xfrm>
-            <a:off x="685800" y="3154680"/>
+            <a:off x="685800" y="2240280"/>
             <a:ext cx="274320" cy="320040"/>
           </a:xfrm>
           <a:prstGeom prst="rect">
@@ -5136,8 +5171,8 @@
         </p:nvSpPr>
         <p:spPr>
           <a:xfrm>
-            <a:off x="960120" y="3154680"/>
-            <a:ext cx="7498080" cy="411480"/>
+            <a:off x="960120" y="2240280"/>
+            <a:ext cx="3200400" cy="411480"/>
           </a:xfrm>
           <a:prstGeom prst="rect">
             <a:avLst/>
@@ -5161,7 +5196,7 @@
                 <a:ea typeface="Arial" pitchFamily="34" charset="-122"/>
                 <a:cs typeface="Arial" pitchFamily="34" charset="-120"/>
               </a:rPr>
-              <a:t>Ciclos programados de revisão</a:t>
+              <a:t>Ciclos de revisão</a:t>
             </a:r>
             <a:endParaRPr lang="en-US" sz="1400" dirty="0"/>
           </a:p>
@@ -5175,41 +5210,16 @@
         </p:nvSpPr>
         <p:spPr>
           <a:xfrm>
-            <a:off x="8686800" y="4114800"/>
-            <a:ext cx="457200" cy="457200"/>
-          </a:xfrm>
-          <a:prstGeom prst="rect">
-            <a:avLst/>
-          </a:prstGeom>
-          <a:solidFill>
-            <a:srgbClr val="9333EA"/>
-          </a:solidFill>
-          <a:ln w="12700">
-            <a:solidFill>
-              <a:srgbClr val="000000"/>
-            </a:solidFill>
-            <a:prstDash val="solid"/>
-          </a:ln>
-        </p:spPr>
-      </p:sp>
-      <p:sp>
-        <p:nvSpPr>
-          <p:cNvPr id="20" name="Shape 18"/>
-          <p:cNvSpPr/>
-          <p:nvPr/>
-        </p:nvSpPr>
-        <p:spPr>
-          <a:xfrm>
-            <a:off x="8503920" y="4297680"/>
-            <a:ext cx="274320" cy="274320"/>
-          </a:xfrm>
-          <a:prstGeom prst="rect">
+            <a:off x="4572000" y="2011680"/>
+            <a:ext cx="3931920" cy="777240"/>
+          </a:xfrm>
+          <a:prstGeom prst="roundRect">
             <a:avLst/>
           </a:prstGeom>
           <a:solidFill>
             <a:srgbClr val="2A2A4A"/>
           </a:solidFill>
-          <a:ln w="12700">
+          <a:ln w="19050">
             <a:solidFill>
               <a:srgbClr val="9333EA"/>
             </a:solidFill>
@@ -5217,9 +5227,127 @@
           </a:ln>
         </p:spPr>
       </p:sp>
+      <p:sp>
+        <p:nvSpPr>
+          <p:cNvPr id="20" name="Shape 18"/>
+          <p:cNvSpPr/>
+          <p:nvPr/>
+        </p:nvSpPr>
+        <p:spPr>
+          <a:xfrm>
+            <a:off x="4572000" y="2011680"/>
+            <a:ext cx="109728" cy="777240"/>
+          </a:xfrm>
+          <a:prstGeom prst="rect">
+            <a:avLst/>
+          </a:prstGeom>
+          <a:solidFill>
+            <a:srgbClr val="9333EA"/>
+          </a:solidFill>
+          <a:ln/>
+        </p:spPr>
+      </p:sp>
+      <p:sp>
+        <p:nvSpPr>
+          <p:cNvPr id="21" name="Text 19"/>
+          <p:cNvSpPr/>
+          <p:nvPr/>
+        </p:nvSpPr>
+        <p:spPr>
+          <a:xfrm>
+            <a:off x="4800600" y="2240280"/>
+            <a:ext cx="274320" cy="320040"/>
+          </a:xfrm>
+          <a:prstGeom prst="rect">
+            <a:avLst/>
+          </a:prstGeom>
+          <a:noFill/>
+          <a:ln/>
+        </p:spPr>
+        <p:txBody>
+          <a:bodyPr wrap="square" rtlCol="0" anchor="ctr"/>
+          <a:lstStyle/>
+          <a:p>
+            <a:pPr indent="0" marL="0">
+              <a:buNone/>
+            </a:pPr>
+            <a:r>
+              <a:rPr lang="en-US" sz="1600" b="1" dirty="0">
+                <a:solidFill>
+                  <a:srgbClr val="9333EA"/>
+                </a:solidFill>
+                <a:latin typeface="Arial" pitchFamily="34" charset="0"/>
+                <a:ea typeface="Arial" pitchFamily="34" charset="-122"/>
+                <a:cs typeface="Arial" pitchFamily="34" charset="-120"/>
+              </a:rPr>
+              <a:t>▸</a:t>
+            </a:r>
+            <a:endParaRPr lang="en-US" sz="1600" dirty="0"/>
+          </a:p>
+        </p:txBody>
+      </p:sp>
+      <p:sp>
+        <p:nvSpPr>
+          <p:cNvPr id="22" name="Text 20"/>
+          <p:cNvSpPr/>
+          <p:nvPr/>
+        </p:nvSpPr>
+        <p:spPr>
+          <a:xfrm>
+            <a:off x="5074920" y="2240280"/>
+            <a:ext cx="3200400" cy="411480"/>
+          </a:xfrm>
+          <a:prstGeom prst="rect">
+            <a:avLst/>
+          </a:prstGeom>
+          <a:noFill/>
+          <a:ln/>
+        </p:spPr>
+        <p:txBody>
+          <a:bodyPr wrap="square" rtlCol="0" anchor="ctr"/>
+          <a:lstStyle/>
+          <a:p>
+            <a:pPr indent="0" marL="0">
+              <a:buNone/>
+            </a:pPr>
+            <a:r>
+              <a:rPr lang="en-US" sz="1400" dirty="0">
+                <a:solidFill>
+                  <a:srgbClr val="FFFFFF"/>
+                </a:solidFill>
+                <a:latin typeface="Arial" pitchFamily="34" charset="0"/>
+                <a:ea typeface="Arial" pitchFamily="34" charset="-122"/>
+                <a:cs typeface="Arial" pitchFamily="34" charset="-120"/>
+              </a:rPr>
+              <a:t>Teste como ferramenta de estudo</a:t>
+            </a:r>
+            <a:endParaRPr lang="en-US" sz="1400" dirty="0"/>
+          </a:p>
+        </p:txBody>
+      </p:sp>
+      <p:sp>
+        <p:nvSpPr>
+          <p:cNvPr id="23" name="Shape 21"/>
+          <p:cNvSpPr/>
+          <p:nvPr/>
+        </p:nvSpPr>
+        <p:spPr>
+          <a:xfrm>
+            <a:off x="8686800" y="4114800"/>
+            <a:ext cx="457200" cy="457200"/>
+          </a:xfrm>
+          <a:prstGeom prst="rect">
+            <a:avLst/>
+          </a:prstGeom>
+          <a:solidFill>
+            <a:srgbClr val="9333EA"/>
+          </a:solidFill>
+          <a:ln/>
+        </p:spPr>
+      </p:sp>
       <p:pic>
         <p:nvPicPr>
-          <p:cNvPr id="21" name="Image 0" descr="preencoded.png">    </p:cNvPr>
+          <p:cNvPr id="25" name="Image 0" descr="preencoded.png">    </p:cNvPr>
           <p:cNvPicPr>
             <a:picLocks noChangeAspect="1"/>
           </p:cNvPicPr>
@@ -5372,501 +5500,9 @@
           <a:ln/>
         </p:spPr>
       </p:sp>
-      <p:sp>
-        <p:nvSpPr>
-          <p:cNvPr id="6" name="Shape 4"/>
-          <p:cNvSpPr/>
-          <p:nvPr/>
-        </p:nvSpPr>
-        <p:spPr>
-          <a:xfrm>
-            <a:off x="502920" y="1188720"/>
-            <a:ext cx="457200" cy="457200"/>
-          </a:xfrm>
-          <a:prstGeom prst="ellipse">
-            <a:avLst/>
-          </a:prstGeom>
-          <a:solidFill>
-            <a:srgbClr val="667EEA"/>
-          </a:solidFill>
-          <a:ln/>
-        </p:spPr>
-      </p:sp>
-      <p:sp>
-        <p:nvSpPr>
-          <p:cNvPr id="7" name="Text 5"/>
-          <p:cNvSpPr/>
-          <p:nvPr/>
-        </p:nvSpPr>
-        <p:spPr>
-          <a:xfrm>
-            <a:off x="502920" y="1234440"/>
-            <a:ext cx="457200" cy="365760"/>
-          </a:xfrm>
-          <a:prstGeom prst="rect">
-            <a:avLst/>
-          </a:prstGeom>
-          <a:noFill/>
-          <a:ln/>
-        </p:spPr>
-        <p:txBody>
-          <a:bodyPr wrap="square" rtlCol="0" anchor="ctr"/>
-          <a:lstStyle/>
-          <a:p>
-            <a:pPr algn="ctr" indent="0" marL="0">
-              <a:buNone/>
-            </a:pPr>
-            <a:r>
-              <a:rPr lang="en-US" sz="1600" b="1" dirty="0">
-                <a:solidFill>
-                  <a:srgbClr val="FFFFFF"/>
-                </a:solidFill>
-                <a:latin typeface="Arial" pitchFamily="34" charset="0"/>
-                <a:ea typeface="Arial" pitchFamily="34" charset="-122"/>
-                <a:cs typeface="Arial" pitchFamily="34" charset="-120"/>
-              </a:rPr>
-              <a:t>✓</a:t>
-            </a:r>
-            <a:endParaRPr lang="en-US" sz="1600" dirty="0"/>
-          </a:p>
-        </p:txBody>
-      </p:sp>
-      <p:sp>
-        <p:nvSpPr>
-          <p:cNvPr id="8" name="Shape 6"/>
-          <p:cNvSpPr/>
-          <p:nvPr/>
-        </p:nvSpPr>
-        <p:spPr>
-          <a:xfrm>
-            <a:off x="1188720" y="1097280"/>
-            <a:ext cx="7498080" cy="640080"/>
-          </a:xfrm>
-          <a:prstGeom prst="roundRect">
-            <a:avLst/>
-          </a:prstGeom>
-          <a:solidFill>
-            <a:srgbClr val="2A2A4A"/>
-          </a:solidFill>
-          <a:ln w="25400">
-            <a:solidFill>
-              <a:srgbClr val="667EEA"/>
-            </a:solidFill>
-            <a:prstDash val="solid"/>
-          </a:ln>
-        </p:spPr>
-      </p:sp>
-      <p:sp>
-        <p:nvSpPr>
-          <p:cNvPr id="9" name="Text 7"/>
-          <p:cNvSpPr/>
-          <p:nvPr/>
-        </p:nvSpPr>
-        <p:spPr>
-          <a:xfrm>
-            <a:off x="1371600" y="1234440"/>
-            <a:ext cx="7132320" cy="411480"/>
-          </a:xfrm>
-          <a:prstGeom prst="rect">
-            <a:avLst/>
-          </a:prstGeom>
-          <a:noFill/>
-          <a:ln/>
-        </p:spPr>
-        <p:txBody>
-          <a:bodyPr wrap="square" rtlCol="0" anchor="ctr"/>
-          <a:lstStyle/>
-          <a:p>
-            <a:pPr indent="0" marL="0">
-              <a:buNone/>
-            </a:pPr>
-            <a:r>
-              <a:rPr lang="en-US" sz="1400" dirty="0">
-                <a:solidFill>
-                  <a:srgbClr val="FFFFFF"/>
-                </a:solidFill>
-                <a:latin typeface="Arial" pitchFamily="34" charset="0"/>
-                <a:ea typeface="Arial" pitchFamily="34" charset="-122"/>
-                <a:cs typeface="Arial" pitchFamily="34" charset="-120"/>
-              </a:rPr>
-              <a:t>Codificação: elaborar, visualizar, agrupar</a:t>
-            </a:r>
-            <a:endParaRPr lang="en-US" sz="1400" dirty="0"/>
-          </a:p>
-        </p:txBody>
-      </p:sp>
-      <p:sp>
-        <p:nvSpPr>
-          <p:cNvPr id="10" name="Shape 8"/>
-          <p:cNvSpPr/>
-          <p:nvPr/>
-        </p:nvSpPr>
-        <p:spPr>
-          <a:xfrm>
-            <a:off x="502920" y="2011680"/>
-            <a:ext cx="457200" cy="457200"/>
-          </a:xfrm>
-          <a:prstGeom prst="ellipse">
-            <a:avLst/>
-          </a:prstGeom>
-          <a:solidFill>
-            <a:srgbClr val="22C55E"/>
-          </a:solidFill>
-          <a:ln/>
-        </p:spPr>
-      </p:sp>
-      <p:sp>
-        <p:nvSpPr>
-          <p:cNvPr id="11" name="Text 9"/>
-          <p:cNvSpPr/>
-          <p:nvPr/>
-        </p:nvSpPr>
-        <p:spPr>
-          <a:xfrm>
-            <a:off x="502920" y="2057400"/>
-            <a:ext cx="457200" cy="365760"/>
-          </a:xfrm>
-          <a:prstGeom prst="rect">
-            <a:avLst/>
-          </a:prstGeom>
-          <a:noFill/>
-          <a:ln/>
-        </p:spPr>
-        <p:txBody>
-          <a:bodyPr wrap="square" rtlCol="0" anchor="ctr"/>
-          <a:lstStyle/>
-          <a:p>
-            <a:pPr algn="ctr" indent="0" marL="0">
-              <a:buNone/>
-            </a:pPr>
-            <a:r>
-              <a:rPr lang="en-US" sz="1600" b="1" dirty="0">
-                <a:solidFill>
-                  <a:srgbClr val="FFFFFF"/>
-                </a:solidFill>
-                <a:latin typeface="Arial" pitchFamily="34" charset="0"/>
-                <a:ea typeface="Arial" pitchFamily="34" charset="-122"/>
-                <a:cs typeface="Arial" pitchFamily="34" charset="-120"/>
-              </a:rPr>
-              <a:t>✓</a:t>
-            </a:r>
-            <a:endParaRPr lang="en-US" sz="1600" dirty="0"/>
-          </a:p>
-        </p:txBody>
-      </p:sp>
-      <p:sp>
-        <p:nvSpPr>
-          <p:cNvPr id="12" name="Shape 10"/>
-          <p:cNvSpPr/>
-          <p:nvPr/>
-        </p:nvSpPr>
-        <p:spPr>
-          <a:xfrm>
-            <a:off x="1188720" y="1920240"/>
-            <a:ext cx="7498080" cy="640080"/>
-          </a:xfrm>
-          <a:prstGeom prst="roundRect">
-            <a:avLst/>
-          </a:prstGeom>
-          <a:solidFill>
-            <a:srgbClr val="2A2A4A"/>
-          </a:solidFill>
-          <a:ln w="25400">
-            <a:solidFill>
-              <a:srgbClr val="22C55E"/>
-            </a:solidFill>
-            <a:prstDash val="solid"/>
-          </a:ln>
-        </p:spPr>
-      </p:sp>
-      <p:sp>
-        <p:nvSpPr>
-          <p:cNvPr id="13" name="Text 11"/>
-          <p:cNvSpPr/>
-          <p:nvPr/>
-        </p:nvSpPr>
-        <p:spPr>
-          <a:xfrm>
-            <a:off x="1371600" y="2057400"/>
-            <a:ext cx="7132320" cy="411480"/>
-          </a:xfrm>
-          <a:prstGeom prst="rect">
-            <a:avLst/>
-          </a:prstGeom>
-          <a:noFill/>
-          <a:ln/>
-        </p:spPr>
-        <p:txBody>
-          <a:bodyPr wrap="square" rtlCol="0" anchor="ctr"/>
-          <a:lstStyle/>
-          <a:p>
-            <a:pPr indent="0" marL="0">
-              <a:buNone/>
-            </a:pPr>
-            <a:r>
-              <a:rPr lang="en-US" sz="1400" dirty="0">
-                <a:solidFill>
-                  <a:srgbClr val="FFFFFF"/>
-                </a:solidFill>
-                <a:latin typeface="Arial" pitchFamily="34" charset="0"/>
-                <a:ea typeface="Arial" pitchFamily="34" charset="-122"/>
-                <a:cs typeface="Arial" pitchFamily="34" charset="-120"/>
-              </a:rPr>
-              <a:t>Retenção: espaçar, testar, misturar, ensinar</a:t>
-            </a:r>
-            <a:endParaRPr lang="en-US" sz="1400" dirty="0"/>
-          </a:p>
-        </p:txBody>
-      </p:sp>
-      <p:sp>
-        <p:nvSpPr>
-          <p:cNvPr id="14" name="Shape 12"/>
-          <p:cNvSpPr/>
-          <p:nvPr/>
-        </p:nvSpPr>
-        <p:spPr>
-          <a:xfrm>
-            <a:off x="502920" y="2834640"/>
-            <a:ext cx="457200" cy="457200"/>
-          </a:xfrm>
-          <a:prstGeom prst="ellipse">
-            <a:avLst/>
-          </a:prstGeom>
-          <a:solidFill>
-            <a:srgbClr val="3B82F6"/>
-          </a:solidFill>
-          <a:ln/>
-        </p:spPr>
-      </p:sp>
-      <p:sp>
-        <p:nvSpPr>
-          <p:cNvPr id="15" name="Text 13"/>
-          <p:cNvSpPr/>
-          <p:nvPr/>
-        </p:nvSpPr>
-        <p:spPr>
-          <a:xfrm>
-            <a:off x="502920" y="2880360"/>
-            <a:ext cx="457200" cy="365760"/>
-          </a:xfrm>
-          <a:prstGeom prst="rect">
-            <a:avLst/>
-          </a:prstGeom>
-          <a:noFill/>
-          <a:ln/>
-        </p:spPr>
-        <p:txBody>
-          <a:bodyPr wrap="square" rtlCol="0" anchor="ctr"/>
-          <a:lstStyle/>
-          <a:p>
-            <a:pPr algn="ctr" indent="0" marL="0">
-              <a:buNone/>
-            </a:pPr>
-            <a:r>
-              <a:rPr lang="en-US" sz="1600" b="1" dirty="0">
-                <a:solidFill>
-                  <a:srgbClr val="FFFFFF"/>
-                </a:solidFill>
-                <a:latin typeface="Arial" pitchFamily="34" charset="0"/>
-                <a:ea typeface="Arial" pitchFamily="34" charset="-122"/>
-                <a:cs typeface="Arial" pitchFamily="34" charset="-120"/>
-              </a:rPr>
-              <a:t>✓</a:t>
-            </a:r>
-            <a:endParaRPr lang="en-US" sz="1600" dirty="0"/>
-          </a:p>
-        </p:txBody>
-      </p:sp>
-      <p:sp>
-        <p:nvSpPr>
-          <p:cNvPr id="16" name="Shape 14"/>
-          <p:cNvSpPr/>
-          <p:nvPr/>
-        </p:nvSpPr>
-        <p:spPr>
-          <a:xfrm>
-            <a:off x="1188720" y="2743200"/>
-            <a:ext cx="7498080" cy="640080"/>
-          </a:xfrm>
-          <a:prstGeom prst="roundRect">
-            <a:avLst/>
-          </a:prstGeom>
-          <a:solidFill>
-            <a:srgbClr val="2A2A4A"/>
-          </a:solidFill>
-          <a:ln w="25400">
-            <a:solidFill>
-              <a:srgbClr val="3B82F6"/>
-            </a:solidFill>
-            <a:prstDash val="solid"/>
-          </a:ln>
-        </p:spPr>
-      </p:sp>
-      <p:sp>
-        <p:nvSpPr>
-          <p:cNvPr id="17" name="Text 15"/>
-          <p:cNvSpPr/>
-          <p:nvPr/>
-        </p:nvSpPr>
-        <p:spPr>
-          <a:xfrm>
-            <a:off x="1371600" y="2880360"/>
-            <a:ext cx="7132320" cy="411480"/>
-          </a:xfrm>
-          <a:prstGeom prst="rect">
-            <a:avLst/>
-          </a:prstGeom>
-          <a:noFill/>
-          <a:ln/>
-        </p:spPr>
-        <p:txBody>
-          <a:bodyPr wrap="square" rtlCol="0" anchor="ctr"/>
-          <a:lstStyle/>
-          <a:p>
-            <a:pPr indent="0" marL="0">
-              <a:buNone/>
-            </a:pPr>
-            <a:r>
-              <a:rPr lang="en-US" sz="1400" dirty="0">
-                <a:solidFill>
-                  <a:srgbClr val="FFFFFF"/>
-                </a:solidFill>
-                <a:latin typeface="Arial" pitchFamily="34" charset="0"/>
-                <a:ea typeface="Arial" pitchFamily="34" charset="-122"/>
-                <a:cs typeface="Arial" pitchFamily="34" charset="-120"/>
-              </a:rPr>
-              <a:t>Sistema: estudo → flashcards → revisão → ensino</a:t>
-            </a:r>
-            <a:endParaRPr lang="en-US" sz="1400" dirty="0"/>
-          </a:p>
-        </p:txBody>
-      </p:sp>
-      <p:sp>
-        <p:nvSpPr>
-          <p:cNvPr id="18" name="Shape 16"/>
-          <p:cNvSpPr/>
-          <p:nvPr/>
-        </p:nvSpPr>
-        <p:spPr>
-          <a:xfrm>
-            <a:off x="502920" y="3657600"/>
-            <a:ext cx="457200" cy="457200"/>
-          </a:xfrm>
-          <a:prstGeom prst="ellipse">
-            <a:avLst/>
-          </a:prstGeom>
-          <a:solidFill>
-            <a:srgbClr val="9333EA"/>
-          </a:solidFill>
-          <a:ln/>
-        </p:spPr>
-      </p:sp>
-      <p:sp>
-        <p:nvSpPr>
-          <p:cNvPr id="19" name="Text 17"/>
-          <p:cNvSpPr/>
-          <p:nvPr/>
-        </p:nvSpPr>
-        <p:spPr>
-          <a:xfrm>
-            <a:off x="502920" y="3703320"/>
-            <a:ext cx="457200" cy="365760"/>
-          </a:xfrm>
-          <a:prstGeom prst="rect">
-            <a:avLst/>
-          </a:prstGeom>
-          <a:noFill/>
-          <a:ln/>
-        </p:spPr>
-        <p:txBody>
-          <a:bodyPr wrap="square" rtlCol="0" anchor="ctr"/>
-          <a:lstStyle/>
-          <a:p>
-            <a:pPr algn="ctr" indent="0" marL="0">
-              <a:buNone/>
-            </a:pPr>
-            <a:r>
-              <a:rPr lang="en-US" sz="1600" b="1" dirty="0">
-                <a:solidFill>
-                  <a:srgbClr val="FFFFFF"/>
-                </a:solidFill>
-                <a:latin typeface="Arial" pitchFamily="34" charset="0"/>
-                <a:ea typeface="Arial" pitchFamily="34" charset="-122"/>
-                <a:cs typeface="Arial" pitchFamily="34" charset="-120"/>
-              </a:rPr>
-              <a:t>✓</a:t>
-            </a:r>
-            <a:endParaRPr lang="en-US" sz="1600" dirty="0"/>
-          </a:p>
-        </p:txBody>
-      </p:sp>
-      <p:sp>
-        <p:nvSpPr>
-          <p:cNvPr id="20" name="Shape 18"/>
-          <p:cNvSpPr/>
-          <p:nvPr/>
-        </p:nvSpPr>
-        <p:spPr>
-          <a:xfrm>
-            <a:off x="1188720" y="3566160"/>
-            <a:ext cx="7498080" cy="640080"/>
-          </a:xfrm>
-          <a:prstGeom prst="roundRect">
-            <a:avLst/>
-          </a:prstGeom>
-          <a:solidFill>
-            <a:srgbClr val="2A2A4A"/>
-          </a:solidFill>
-          <a:ln w="25400">
-            <a:solidFill>
-              <a:srgbClr val="9333EA"/>
-            </a:solidFill>
-            <a:prstDash val="solid"/>
-          </a:ln>
-        </p:spPr>
-      </p:sp>
-      <p:sp>
-        <p:nvSpPr>
-          <p:cNvPr id="21" name="Text 19"/>
-          <p:cNvSpPr/>
-          <p:nvPr/>
-        </p:nvSpPr>
-        <p:spPr>
-          <a:xfrm>
-            <a:off x="1371600" y="3703320"/>
-            <a:ext cx="7132320" cy="411480"/>
-          </a:xfrm>
-          <a:prstGeom prst="rect">
-            <a:avLst/>
-          </a:prstGeom>
-          <a:noFill/>
-          <a:ln/>
-        </p:spPr>
-        <p:txBody>
-          <a:bodyPr wrap="square" rtlCol="0" anchor="ctr"/>
-          <a:lstStyle/>
-          <a:p>
-            <a:pPr indent="0" marL="0">
-              <a:buNone/>
-            </a:pPr>
-            <a:r>
-              <a:rPr lang="en-US" sz="1400" dirty="0">
-                <a:solidFill>
-                  <a:srgbClr val="FFFFFF"/>
-                </a:solidFill>
-                <a:latin typeface="Arial" pitchFamily="34" charset="0"/>
-                <a:ea typeface="Arial" pitchFamily="34" charset="-122"/>
-                <a:cs typeface="Arial" pitchFamily="34" charset="-120"/>
-              </a:rPr>
-              <a:t>Memorização é técnica, não dom inato</a:t>
-            </a:r>
-            <a:endParaRPr lang="en-US" sz="1400" dirty="0"/>
-          </a:p>
-        </p:txBody>
-      </p:sp>
       <p:pic>
         <p:nvPicPr>
-          <p:cNvPr id="22" name="Image 0" descr="preencoded.png">    </p:cNvPr>
+          <p:cNvPr id="7" name="Image 0" descr="preencoded.png">    </p:cNvPr>
           <p:cNvPicPr>
             <a:picLocks noChangeAspect="1"/>
           </p:cNvPicPr>
@@ -5973,106 +5609,46 @@
                 <a:ea typeface="Arial" pitchFamily="34" charset="-122"/>
                 <a:cs typeface="Arial" pitchFamily="34" charset="-120"/>
               </a:rPr>
-              <a:t>📝 Atividade Prática</a:t>
+              <a:t>📊 Infográfico da Aula</a:t>
             </a:r>
             <a:endParaRPr lang="en-US" sz="2000" dirty="0"/>
           </a:p>
         </p:txBody>
       </p:sp>
-      <p:sp>
-        <p:nvSpPr>
-          <p:cNvPr id="4" name="Shape 2"/>
-          <p:cNvSpPr/>
-          <p:nvPr/>
-        </p:nvSpPr>
-        <p:spPr>
-          <a:xfrm>
-            <a:off x="457200" y="1005840"/>
-            <a:ext cx="8229600" cy="2560320"/>
-          </a:xfrm>
-          <a:prstGeom prst="roundRect">
-            <a:avLst/>
-          </a:prstGeom>
-          <a:solidFill>
-            <a:srgbClr val="2A2A4A"/>
-          </a:solidFill>
-          <a:ln w="38100">
-            <a:solidFill>
-              <a:srgbClr val="22C55E"/>
-            </a:solidFill>
-            <a:prstDash val="solid"/>
-          </a:ln>
-        </p:spPr>
-      </p:sp>
-      <p:sp>
-        <p:nvSpPr>
-          <p:cNvPr id="5" name="Shape 3"/>
-          <p:cNvSpPr/>
-          <p:nvPr/>
-        </p:nvSpPr>
-        <p:spPr>
-          <a:xfrm>
-            <a:off x="731520" y="1280160"/>
-            <a:ext cx="731520" cy="731520"/>
-          </a:xfrm>
-          <a:prstGeom prst="ellipse">
-            <a:avLst/>
-          </a:prstGeom>
-          <a:solidFill>
-            <a:srgbClr val="22C55E"/>
-          </a:solidFill>
-          <a:ln/>
-        </p:spPr>
-      </p:sp>
-      <p:sp>
-        <p:nvSpPr>
-          <p:cNvPr id="6" name="Text 4"/>
-          <p:cNvSpPr/>
-          <p:nvPr/>
-        </p:nvSpPr>
-        <p:spPr>
-          <a:xfrm>
-            <a:off x="731520" y="1371600"/>
-            <a:ext cx="731520" cy="548640"/>
-          </a:xfrm>
-          <a:prstGeom prst="rect">
-            <a:avLst/>
-          </a:prstGeom>
-          <a:noFill/>
-          <a:ln/>
-        </p:spPr>
-        <p:txBody>
-          <a:bodyPr wrap="square" rtlCol="0" anchor="ctr"/>
-          <a:lstStyle/>
-          <a:p>
-            <a:pPr algn="ctr" indent="0" marL="0">
-              <a:buNone/>
-            </a:pPr>
-            <a:r>
-              <a:rPr lang="en-US" sz="2800" b="1" dirty="0">
-                <a:solidFill>
-                  <a:srgbClr val="FFFFFF"/>
-                </a:solidFill>
-                <a:latin typeface="Arial" pitchFamily="34" charset="0"/>
-                <a:ea typeface="Arial" pitchFamily="34" charset="-122"/>
-                <a:cs typeface="Arial" pitchFamily="34" charset="-120"/>
-              </a:rPr>
-              <a:t>!</a:t>
-            </a:r>
-            <a:endParaRPr lang="en-US" sz="2800" dirty="0"/>
-          </a:p>
-        </p:txBody>
-      </p:sp>
-      <p:sp>
-        <p:nvSpPr>
-          <p:cNvPr id="7" name="Text 5"/>
-          <p:cNvSpPr/>
-          <p:nvPr/>
-        </p:nvSpPr>
-        <p:spPr>
-          <a:xfrm>
-            <a:off x="1645920" y="1280160"/>
-            <a:ext cx="6858000" cy="457200"/>
+      <p:pic>
+        <p:nvPicPr>
+          <p:cNvPr id="4" name="Image 0" descr="preencoded.png">    </p:cNvPr>
+          <p:cNvPicPr>
+            <a:picLocks noChangeAspect="1"/>
+          </p:cNvPicPr>
+          <p:nvPr/>
+        </p:nvPicPr>
+        <p:blipFill>
+          <a:blip r:embed="rId1"/>
+          <a:stretch>
+            <a:fillRect/>
+          </a:stretch>
+        </p:blipFill>
+        <p:spPr>
+          <a:xfrm>
+            <a:off x="274320" y="914400"/>
+            <a:ext cx="5486400" cy="3383280"/>
+          </a:xfrm>
+          <a:prstGeom prst="rect">
+            <a:avLst/>
+          </a:prstGeom>
+        </p:spPr>
+      </p:pic>
+      <p:sp>
+        <p:nvSpPr>
+          <p:cNvPr id="5" name="Text 2"/>
+          <p:cNvSpPr/>
+          <p:nvPr/>
+        </p:nvSpPr>
+        <p:spPr>
+          <a:xfrm>
+            <a:off x="5943600" y="914400"/>
+            <a:ext cx="3017520" cy="365760"/>
           </a:xfrm>
           <a:prstGeom prst="rect">
             <a:avLst/>
@@ -6088,7 +5664,7 @@
               <a:buNone/>
             </a:pPr>
             <a:r>
-              <a:rPr lang="en-US" sz="1600" b="1" dirty="0">
+              <a:rPr lang="en-US" sz="1200" b="1" dirty="0">
                 <a:solidFill>
                   <a:srgbClr val="22C55E"/>
                 </a:solidFill>
@@ -6096,216 +5672,22 @@
                 <a:ea typeface="Arial" pitchFamily="34" charset="-122"/>
                 <a:cs typeface="Arial" pitchFamily="34" charset="-120"/>
               </a:rPr>
-              <a:t>Sua Missão:</a:t>
-            </a:r>
-            <a:endParaRPr lang="en-US" sz="1600" dirty="0"/>
-          </a:p>
-        </p:txBody>
-      </p:sp>
-      <p:sp>
-        <p:nvSpPr>
-          <p:cNvPr id="8" name="Text 6"/>
-          <p:cNvSpPr/>
-          <p:nvPr/>
-        </p:nvSpPr>
-        <p:spPr>
-          <a:xfrm>
-            <a:off x="1645920" y="1737360"/>
-            <a:ext cx="6766560" cy="1645920"/>
-          </a:xfrm>
-          <a:prstGeom prst="rect">
-            <a:avLst/>
-          </a:prstGeom>
-          <a:noFill/>
-          <a:ln/>
-        </p:spPr>
-        <p:txBody>
-          <a:bodyPr wrap="square" rtlCol="0" anchor="t"/>
-          <a:lstStyle/>
-          <a:p>
-            <a:pPr indent="0" marL="0">
-              <a:buNone/>
-            </a:pPr>
-            <a:r>
-              <a:rPr lang="en-US" sz="1400" dirty="0">
-                <a:solidFill>
-                  <a:srgbClr val="FFFFFF"/>
-                </a:solidFill>
-                <a:latin typeface="Arial" pitchFamily="34" charset="0"/>
-                <a:ea typeface="Arial" pitchFamily="34" charset="-122"/>
-                <a:cs typeface="Arial" pitchFamily="34" charset="-120"/>
-              </a:rPr>
-              <a:t>Criando Seu Sistema de Memorização:</a:t>
-            </a:r>
-            <a:endParaRPr lang="en-US" sz="1400" dirty="0"/>
-          </a:p>
-          <a:p>
-            <a:pPr indent="0" marL="0">
-              <a:buNone/>
-            </a:pPr>
-            <a:endParaRPr lang="en-US" sz="1400" dirty="0"/>
-          </a:p>
-          <a:p>
-            <a:pPr indent="0" marL="0">
-              <a:buNone/>
-            </a:pPr>
-            <a:r>
-              <a:rPr lang="en-US" sz="1400" dirty="0">
-                <a:solidFill>
-                  <a:srgbClr val="FFFFFF"/>
-                </a:solidFill>
-                <a:latin typeface="Arial" pitchFamily="34" charset="0"/>
-                <a:ea typeface="Arial" pitchFamily="34" charset="-122"/>
-                <a:cs typeface="Arial" pitchFamily="34" charset="-120"/>
-              </a:rPr>
-              <a:t>1. Escolha um tópico para memorizar</a:t>
-            </a:r>
-            <a:endParaRPr lang="en-US" sz="1400" dirty="0"/>
-          </a:p>
-          <a:p>
-            <a:pPr indent="0" marL="0">
-              <a:buNone/>
-            </a:pPr>
-            <a:r>
-              <a:rPr lang="en-US" sz="1400" dirty="0">
-                <a:solidFill>
-                  <a:srgbClr val="FFFFFF"/>
-                </a:solidFill>
-                <a:latin typeface="Arial" pitchFamily="34" charset="0"/>
-                <a:ea typeface="Arial" pitchFamily="34" charset="-122"/>
-                <a:cs typeface="Arial" pitchFamily="34" charset="-120"/>
-              </a:rPr>
-              <a:t>2. Aplique elaboração e visualização</a:t>
-            </a:r>
-            <a:endParaRPr lang="en-US" sz="1400" dirty="0"/>
-          </a:p>
-          <a:p>
-            <a:pPr indent="0" marL="0">
-              <a:buNone/>
-            </a:pPr>
-            <a:r>
-              <a:rPr lang="en-US" sz="1400" dirty="0">
-                <a:solidFill>
-                  <a:srgbClr val="FFFFFF"/>
-                </a:solidFill>
-                <a:latin typeface="Arial" pitchFamily="34" charset="0"/>
-                <a:ea typeface="Arial" pitchFamily="34" charset="-122"/>
-                <a:cs typeface="Arial" pitchFamily="34" charset="-120"/>
-              </a:rPr>
-              <a:t>3. Crie 10 flashcards no Anki</a:t>
-            </a:r>
-            <a:endParaRPr lang="en-US" sz="1400" dirty="0"/>
-          </a:p>
-          <a:p>
-            <a:pPr indent="0" marL="0">
-              <a:buNone/>
-            </a:pPr>
-            <a:r>
-              <a:rPr lang="en-US" sz="1400" dirty="0">
-                <a:solidFill>
-                  <a:srgbClr val="FFFFFF"/>
-                </a:solidFill>
-                <a:latin typeface="Arial" pitchFamily="34" charset="0"/>
-                <a:ea typeface="Arial" pitchFamily="34" charset="-122"/>
-                <a:cs typeface="Arial" pitchFamily="34" charset="-120"/>
-              </a:rPr>
-              <a:t>4. Pratique active recall sem olhar</a:t>
-            </a:r>
-            <a:endParaRPr lang="en-US" sz="1400" dirty="0"/>
-          </a:p>
-          <a:p>
-            <a:pPr indent="0" marL="0">
-              <a:buNone/>
-            </a:pPr>
-            <a:r>
-              <a:rPr lang="en-US" sz="1400" dirty="0">
-                <a:solidFill>
-                  <a:srgbClr val="FFFFFF"/>
-                </a:solidFill>
-                <a:latin typeface="Arial" pitchFamily="34" charset="0"/>
-                <a:ea typeface="Arial" pitchFamily="34" charset="-122"/>
-                <a:cs typeface="Arial" pitchFamily="34" charset="-120"/>
-              </a:rPr>
-              <a:t>5. Revise em 1, 3 e 7 dias</a:t>
-            </a:r>
-            <a:endParaRPr lang="en-US" sz="1400" dirty="0"/>
-          </a:p>
-        </p:txBody>
-      </p:sp>
-      <p:sp>
-        <p:nvSpPr>
-          <p:cNvPr id="9" name="Shape 7"/>
-          <p:cNvSpPr/>
-          <p:nvPr/>
-        </p:nvSpPr>
-        <p:spPr>
-          <a:xfrm>
-            <a:off x="457200" y="3749040"/>
-            <a:ext cx="8229600" cy="640080"/>
-          </a:xfrm>
-          <a:prstGeom prst="roundRect">
-            <a:avLst/>
-          </a:prstGeom>
-          <a:solidFill>
-            <a:srgbClr val="1E3A5F"/>
-          </a:solidFill>
-          <a:ln w="12700">
-            <a:solidFill>
-              <a:srgbClr val="667EEA"/>
-            </a:solidFill>
-            <a:prstDash val="solid"/>
-          </a:ln>
-        </p:spPr>
-      </p:sp>
-      <p:sp>
-        <p:nvSpPr>
-          <p:cNvPr id="10" name="Text 8"/>
-          <p:cNvSpPr/>
-          <p:nvPr/>
-        </p:nvSpPr>
-        <p:spPr>
-          <a:xfrm>
-            <a:off x="457200" y="3886200"/>
-            <a:ext cx="8229600" cy="365760"/>
-          </a:xfrm>
-          <a:prstGeom prst="rect">
-            <a:avLst/>
-          </a:prstGeom>
-          <a:noFill/>
-          <a:ln/>
-        </p:spPr>
-        <p:txBody>
-          <a:bodyPr wrap="square" rtlCol="0" anchor="ctr"/>
-          <a:lstStyle/>
-          <a:p>
-            <a:pPr algn="ctr" indent="0" marL="0">
-              <a:buNone/>
-            </a:pPr>
-            <a:r>
-              <a:rPr lang="en-US" sz="1300" dirty="0">
-                <a:solidFill>
-                  <a:srgbClr val="FFFFFF"/>
-                </a:solidFill>
-                <a:latin typeface="Arial" pitchFamily="34" charset="0"/>
-                <a:ea typeface="Arial" pitchFamily="34" charset="-122"/>
-                <a:cs typeface="Arial" pitchFamily="34" charset="-120"/>
-              </a:rPr>
-              <a:t>📤 Envie na área de atividades do Moodle</a:t>
-            </a:r>
-            <a:endParaRPr lang="en-US" sz="1300" dirty="0"/>
+              <a:t>Conceitos Principais:</a:t>
+            </a:r>
+            <a:endParaRPr lang="en-US" sz="1200" dirty="0"/>
           </a:p>
         </p:txBody>
       </p:sp>
       <p:pic>
         <p:nvPicPr>
-          <p:cNvPr id="11" name="Image 0" descr="preencoded.png">    </p:cNvPr>
+          <p:cNvPr id="7" name="Image 1" descr="preencoded.png">    </p:cNvPr>
           <p:cNvPicPr>
             <a:picLocks noChangeAspect="1"/>
           </p:cNvPicPr>
           <p:nvPr/>
         </p:nvPicPr>
         <p:blipFill>
-          <a:blip r:embed="rId1"/>
+          <a:blip r:embed="rId2"/>
           <a:stretch>
             <a:fillRect/>
           </a:stretch>
@@ -6405,7 +5787,7 @@
                 <a:ea typeface="Arial" pitchFamily="34" charset="-122"/>
                 <a:cs typeface="Arial" pitchFamily="34" charset="-120"/>
               </a:rPr>
-              <a:t>Aula 10 - Encerramento</a:t>
+              <a:t>📝 Atividade Prática</a:t>
             </a:r>
             <a:endParaRPr lang="en-US" sz="2000" dirty="0"/>
           </a:p>
@@ -6419,68 +5801,8 @@
         </p:nvSpPr>
         <p:spPr>
           <a:xfrm>
-            <a:off x="0" y="822960"/>
-            <a:ext cx="2743200" cy="91440"/>
-          </a:xfrm>
-          <a:prstGeom prst="rect">
-            <a:avLst/>
-          </a:prstGeom>
-          <a:solidFill>
-            <a:srgbClr val="667EEA"/>
-          </a:solidFill>
-          <a:ln/>
-        </p:spPr>
-      </p:sp>
-      <p:sp>
-        <p:nvSpPr>
-          <p:cNvPr id="5" name="Shape 3"/>
-          <p:cNvSpPr/>
-          <p:nvPr/>
-        </p:nvSpPr>
-        <p:spPr>
-          <a:xfrm>
-            <a:off x="3200400" y="822960"/>
-            <a:ext cx="2743200" cy="91440"/>
-          </a:xfrm>
-          <a:prstGeom prst="rect">
-            <a:avLst/>
-          </a:prstGeom>
-          <a:solidFill>
-            <a:srgbClr val="22C55E"/>
-          </a:solidFill>
-          <a:ln/>
-        </p:spPr>
-      </p:sp>
-      <p:sp>
-        <p:nvSpPr>
-          <p:cNvPr id="6" name="Shape 4"/>
-          <p:cNvSpPr/>
-          <p:nvPr/>
-        </p:nvSpPr>
-        <p:spPr>
-          <a:xfrm>
-            <a:off x="6400800" y="822960"/>
-            <a:ext cx="2743200" cy="91440"/>
-          </a:xfrm>
-          <a:prstGeom prst="rect">
-            <a:avLst/>
-          </a:prstGeom>
-          <a:solidFill>
-            <a:srgbClr val="3B82F6"/>
-          </a:solidFill>
-          <a:ln/>
-        </p:spPr>
-      </p:sp>
-      <p:sp>
-        <p:nvSpPr>
-          <p:cNvPr id="7" name="Shape 5"/>
-          <p:cNvSpPr/>
-          <p:nvPr/>
-        </p:nvSpPr>
-        <p:spPr>
-          <a:xfrm>
-            <a:off x="914400" y="1371600"/>
-            <a:ext cx="7315200" cy="1828800"/>
+            <a:off x="457200" y="1005840"/>
+            <a:ext cx="8229600" cy="2560320"/>
           </a:xfrm>
           <a:prstGeom prst="roundRect">
             <a:avLst/>
@@ -6488,9 +5810,9 @@
           <a:solidFill>
             <a:srgbClr val="2A2A4A"/>
           </a:solidFill>
-          <a:ln w="25400">
+          <a:ln w="38100">
             <a:solidFill>
-              <a:srgbClr val="667EEA"/>
+              <a:srgbClr val="22C55E"/>
             </a:solidFill>
             <a:prstDash val="solid"/>
           </a:ln>
@@ -6498,53 +5820,34 @@
       </p:sp>
       <p:sp>
         <p:nvSpPr>
-          <p:cNvPr id="8" name="Text 6"/>
-          <p:cNvSpPr/>
-          <p:nvPr/>
-        </p:nvSpPr>
-        <p:spPr>
-          <a:xfrm>
-            <a:off x="1097280" y="1371600"/>
-            <a:ext cx="457200" cy="731520"/>
-          </a:xfrm>
-          <a:prstGeom prst="rect">
-            <a:avLst/>
-          </a:prstGeom>
-          <a:noFill/>
-          <a:ln/>
-        </p:spPr>
-        <p:txBody>
-          <a:bodyPr wrap="square" rtlCol="0" anchor="ctr"/>
-          <a:lstStyle/>
-          <a:p>
-            <a:pPr indent="0" marL="0">
-              <a:buNone/>
-            </a:pPr>
-            <a:r>
-              <a:rPr lang="en-US" sz="4800" i="1" dirty="0">
-                <a:solidFill>
-                  <a:srgbClr val="667EEA"/>
-                </a:solidFill>
-                <a:latin typeface="Georgia" pitchFamily="34" charset="0"/>
-                <a:ea typeface="Georgia" pitchFamily="34" charset="-122"/>
-                <a:cs typeface="Georgia" pitchFamily="34" charset="-120"/>
-              </a:rPr>
-              <a:t>"</a:t>
-            </a:r>
-            <a:endParaRPr lang="en-US" sz="4800" dirty="0"/>
-          </a:p>
-        </p:txBody>
-      </p:sp>
-      <p:sp>
-        <p:nvSpPr>
-          <p:cNvPr id="9" name="Text 7"/>
-          <p:cNvSpPr/>
-          <p:nvPr/>
-        </p:nvSpPr>
-        <p:spPr>
-          <a:xfrm>
-            <a:off x="1371600" y="1737360"/>
-            <a:ext cx="6400800" cy="1097280"/>
+          <p:cNvPr id="5" name="Shape 3"/>
+          <p:cNvSpPr/>
+          <p:nvPr/>
+        </p:nvSpPr>
+        <p:spPr>
+          <a:xfrm>
+            <a:off x="731520" y="1280160"/>
+            <a:ext cx="731520" cy="731520"/>
+          </a:xfrm>
+          <a:prstGeom prst="ellipse">
+            <a:avLst/>
+          </a:prstGeom>
+          <a:solidFill>
+            <a:srgbClr val="22C55E"/>
+          </a:solidFill>
+          <a:ln/>
+        </p:spPr>
+      </p:sp>
+      <p:sp>
+        <p:nvSpPr>
+          <p:cNvPr id="6" name="Text 4"/>
+          <p:cNvSpPr/>
+          <p:nvPr/>
+        </p:nvSpPr>
+        <p:spPr>
+          <a:xfrm>
+            <a:off x="731520" y="1371600"/>
+            <a:ext cx="731520" cy="548640"/>
           </a:xfrm>
           <a:prstGeom prst="rect">
             <a:avLst/>
@@ -6560,7 +5863,7 @@
               <a:buNone/>
             </a:pPr>
             <a:r>
-              <a:rPr lang="en-US" sz="1600" i="1" dirty="0">
+              <a:rPr lang="en-US" sz="2800" b="1" dirty="0">
                 <a:solidFill>
                   <a:srgbClr val="FFFFFF"/>
                 </a:solidFill>
@@ -6568,42 +5871,22 @@
                 <a:ea typeface="Arial" pitchFamily="34" charset="-122"/>
                 <a:cs typeface="Arial" pitchFamily="34" charset="-120"/>
               </a:rPr>
-              <a:t>A memória não é um gravador. É um músculo. Treine-a com as técnicas certas e ela se fortalece.</a:t>
-            </a:r>
-            <a:endParaRPr lang="en-US" sz="1600" dirty="0"/>
-          </a:p>
-        </p:txBody>
-      </p:sp>
-      <p:sp>
-        <p:nvSpPr>
-          <p:cNvPr id="10" name="Shape 8"/>
-          <p:cNvSpPr/>
-          <p:nvPr/>
-        </p:nvSpPr>
-        <p:spPr>
-          <a:xfrm>
-            <a:off x="0" y="3840480"/>
-            <a:ext cx="9144000" cy="822960"/>
-          </a:xfrm>
-          <a:prstGeom prst="rect">
-            <a:avLst/>
-          </a:prstGeom>
-          <a:solidFill>
-            <a:srgbClr val="0F172A"/>
-          </a:solidFill>
-          <a:ln/>
-        </p:spPr>
-      </p:sp>
-      <p:sp>
-        <p:nvSpPr>
-          <p:cNvPr id="11" name="Text 9"/>
-          <p:cNvSpPr/>
-          <p:nvPr/>
-        </p:nvSpPr>
-        <p:spPr>
-          <a:xfrm>
-            <a:off x="457200" y="3977640"/>
-            <a:ext cx="3657600" cy="274320"/>
+              <a:t>!</a:t>
+            </a:r>
+            <a:endParaRPr lang="en-US" sz="2800" dirty="0"/>
+          </a:p>
+        </p:txBody>
+      </p:sp>
+      <p:sp>
+        <p:nvSpPr>
+          <p:cNvPr id="7" name="Text 5"/>
+          <p:cNvSpPr/>
+          <p:nvPr/>
+        </p:nvSpPr>
+        <p:spPr>
+          <a:xfrm>
+            <a:off x="1645920" y="1280160"/>
+            <a:ext cx="6858000" cy="457200"/>
           </a:xfrm>
           <a:prstGeom prst="rect">
             <a:avLst/>
@@ -6619,7 +5902,7 @@
               <a:buNone/>
             </a:pPr>
             <a:r>
-              <a:rPr lang="en-US" sz="1400" b="1" dirty="0">
+              <a:rPr lang="en-US" sz="1600" b="1" dirty="0">
                 <a:solidFill>
                   <a:srgbClr val="22C55E"/>
                 </a:solidFill>
@@ -6627,22 +5910,22 @@
                 <a:ea typeface="Arial" pitchFamily="34" charset="-122"/>
                 <a:cs typeface="Arial" pitchFamily="34" charset="-120"/>
               </a:rPr>
-              <a:t>Educa com Talento</a:t>
-            </a:r>
-            <a:endParaRPr lang="en-US" sz="1400" dirty="0"/>
-          </a:p>
-        </p:txBody>
-      </p:sp>
-      <p:sp>
-        <p:nvSpPr>
-          <p:cNvPr id="12" name="Text 10"/>
-          <p:cNvSpPr/>
-          <p:nvPr/>
-        </p:nvSpPr>
-        <p:spPr>
-          <a:xfrm>
-            <a:off x="457200" y="4251960"/>
-            <a:ext cx="3657600" cy="228600"/>
+              <a:t>Sua Missão:</a:t>
+            </a:r>
+            <a:endParaRPr lang="en-US" sz="1600" dirty="0"/>
+          </a:p>
+        </p:txBody>
+      </p:sp>
+      <p:sp>
+        <p:nvSpPr>
+          <p:cNvPr id="8" name="Text 6"/>
+          <p:cNvSpPr/>
+          <p:nvPr/>
+        </p:nvSpPr>
+        <p:spPr>
+          <a:xfrm>
+            <a:off x="1645920" y="1737360"/>
+            <a:ext cx="6766560" cy="1645920"/>
           </a:xfrm>
           <a:prstGeom prst="rect">
             <a:avLst/>
@@ -6651,30 +5934,179 @@
           <a:ln/>
         </p:spPr>
         <p:txBody>
-          <a:bodyPr wrap="square" rtlCol="0" anchor="ctr"/>
+          <a:bodyPr wrap="square" rtlCol="0" anchor="t"/>
           <a:lstStyle/>
           <a:p>
             <a:pPr indent="0" marL="0">
               <a:buNone/>
             </a:pPr>
             <a:r>
-              <a:rPr lang="en-US" sz="1000" dirty="0">
+              <a:rPr lang="en-US" sz="1400" dirty="0">
                 <a:solidFill>
-                  <a:srgbClr val="667EEA"/>
+                  <a:srgbClr val="FFFFFF"/>
                 </a:solidFill>
                 <a:latin typeface="Arial" pitchFamily="34" charset="0"/>
                 <a:ea typeface="Arial" pitchFamily="34" charset="-122"/>
                 <a:cs typeface="Arial" pitchFamily="34" charset="-120"/>
               </a:rPr>
-              <a:t>www.educacomtalento.com.br</a:t>
-            </a:r>
-            <a:endParaRPr lang="en-US" sz="1000" dirty="0"/>
+              <a:t>1. **Escolha um tópico** que precisa memorizar</a:t>
+            </a:r>
+            <a:endParaRPr lang="en-US" sz="1400" dirty="0"/>
+          </a:p>
+          <a:p>
+            <a:pPr indent="0" marL="0">
+              <a:buNone/>
+            </a:pPr>
+            <a:r>
+              <a:rPr lang="en-US" sz="1400" dirty="0">
+                <a:solidFill>
+                  <a:srgbClr val="FFFFFF"/>
+                </a:solidFill>
+                <a:latin typeface="Arial" pitchFamily="34" charset="0"/>
+                <a:ea typeface="Arial" pitchFamily="34" charset="-122"/>
+                <a:cs typeface="Arial" pitchFamily="34" charset="-120"/>
+              </a:rPr>
+              <a:t>2. **Aplique as técnicas:**</a:t>
+            </a:r>
+            <a:endParaRPr lang="en-US" sz="1400" dirty="0"/>
+          </a:p>
+          <a:p>
+            <a:pPr indent="0" marL="0">
+              <a:buNone/>
+            </a:pPr>
+            <a:r>
+              <a:rPr lang="en-US" sz="1400" dirty="0">
+                <a:solidFill>
+                  <a:srgbClr val="FFFFFF"/>
+                </a:solidFill>
+                <a:latin typeface="Arial" pitchFamily="34" charset="0"/>
+                <a:ea typeface="Arial" pitchFamily="34" charset="-122"/>
+                <a:cs typeface="Arial" pitchFamily="34" charset="-120"/>
+              </a:rPr>
+              <a:t>   - Elabore (conecte com conhecimento prévio)</a:t>
+            </a:r>
+            <a:endParaRPr lang="en-US" sz="1400" dirty="0"/>
+          </a:p>
+          <a:p>
+            <a:pPr indent="0" marL="0">
+              <a:buNone/>
+            </a:pPr>
+            <a:r>
+              <a:rPr lang="en-US" sz="1400" dirty="0">
+                <a:solidFill>
+                  <a:srgbClr val="FFFFFF"/>
+                </a:solidFill>
+                <a:latin typeface="Arial" pitchFamily="34" charset="0"/>
+                <a:ea typeface="Arial" pitchFamily="34" charset="-122"/>
+                <a:cs typeface="Arial" pitchFamily="34" charset="-120"/>
+              </a:rPr>
+              <a:t>   - Crie visualizações</a:t>
+            </a:r>
+            <a:endParaRPr lang="en-US" sz="1400" dirty="0"/>
+          </a:p>
+          <a:p>
+            <a:pPr indent="0" marL="0">
+              <a:buNone/>
+            </a:pPr>
+            <a:r>
+              <a:rPr lang="en-US" sz="1400" dirty="0">
+                <a:solidFill>
+                  <a:srgbClr val="FFFFFF"/>
+                </a:solidFill>
+                <a:latin typeface="Arial" pitchFamily="34" charset="0"/>
+                <a:ea typeface="Arial" pitchFamily="34" charset="-122"/>
+                <a:cs typeface="Arial" pitchFamily="34" charset="-120"/>
+              </a:rPr>
+              <a:t>   - Use chunking</a:t>
+            </a:r>
+            <a:endParaRPr lang="en-US" sz="1400" dirty="0"/>
+          </a:p>
+          <a:p>
+            <a:pPr indent="0" marL="0">
+              <a:buNone/>
+            </a:pPr>
+            <a:r>
+              <a:rPr lang="en-US" sz="1400" dirty="0">
+                <a:solidFill>
+                  <a:srgbClr val="FFFFFF"/>
+                </a:solidFill>
+                <a:latin typeface="Arial" pitchFamily="34" charset="0"/>
+                <a:ea typeface="Arial" pitchFamily="34" charset="-122"/>
+                <a:cs typeface="Arial" pitchFamily="34" charset="-120"/>
+              </a:rPr>
+              <a:t>3. **Crie 10 flashcards** no Anki ou similar</a:t>
+            </a:r>
+            <a:endParaRPr lang="en-US" sz="1400" dirty="0"/>
+          </a:p>
+        </p:txBody>
+      </p:sp>
+      <p:sp>
+        <p:nvSpPr>
+          <p:cNvPr id="9" name="Shape 7"/>
+          <p:cNvSpPr/>
+          <p:nvPr/>
+        </p:nvSpPr>
+        <p:spPr>
+          <a:xfrm>
+            <a:off x="457200" y="3749040"/>
+            <a:ext cx="8229600" cy="640080"/>
+          </a:xfrm>
+          <a:prstGeom prst="roundRect">
+            <a:avLst/>
+          </a:prstGeom>
+          <a:solidFill>
+            <a:srgbClr val="1E3A5F"/>
+          </a:solidFill>
+          <a:ln w="12700">
+            <a:solidFill>
+              <a:srgbClr val="667EEA"/>
+            </a:solidFill>
+            <a:prstDash val="solid"/>
+          </a:ln>
+        </p:spPr>
+      </p:sp>
+      <p:sp>
+        <p:nvSpPr>
+          <p:cNvPr id="10" name="Text 8"/>
+          <p:cNvSpPr/>
+          <p:nvPr/>
+        </p:nvSpPr>
+        <p:spPr>
+          <a:xfrm>
+            <a:off x="457200" y="3886200"/>
+            <a:ext cx="8229600" cy="365760"/>
+          </a:xfrm>
+          <a:prstGeom prst="rect">
+            <a:avLst/>
+          </a:prstGeom>
+          <a:noFill/>
+          <a:ln/>
+        </p:spPr>
+        <p:txBody>
+          <a:bodyPr wrap="square" rtlCol="0" anchor="ctr"/>
+          <a:lstStyle/>
+          <a:p>
+            <a:pPr algn="ctr" indent="0" marL="0">
+              <a:buNone/>
+            </a:pPr>
+            <a:r>
+              <a:rPr lang="en-US" sz="1300" dirty="0">
+                <a:solidFill>
+                  <a:srgbClr val="FFFFFF"/>
+                </a:solidFill>
+                <a:latin typeface="Arial" pitchFamily="34" charset="0"/>
+                <a:ea typeface="Arial" pitchFamily="34" charset="-122"/>
+                <a:cs typeface="Arial" pitchFamily="34" charset="-120"/>
+              </a:rPr>
+              <a:t>📤 Envie na área de atividades do Moodle</a:t>
+            </a:r>
+            <a:endParaRPr lang="en-US" sz="1300" dirty="0"/>
           </a:p>
         </p:txBody>
       </p:sp>
       <p:pic>
         <p:nvPicPr>
-          <p:cNvPr id="13" name="Image 0" descr="preencoded.png">    </p:cNvPr>
+          <p:cNvPr id="12" name="Image 0" descr="preencoded.png">    </p:cNvPr>
           <p:cNvPicPr>
             <a:picLocks noChangeAspect="1"/>
           </p:cNvPicPr>
@@ -6688,8 +6120,8 @@
         </p:blipFill>
         <p:spPr>
           <a:xfrm>
-            <a:off x="6400800" y="3886200"/>
-            <a:ext cx="2286000" cy="914400"/>
+            <a:off x="7498080" y="4389120"/>
+            <a:ext cx="1371600" cy="548640"/>
           </a:xfrm>
           <a:prstGeom prst="rect">
             <a:avLst/>
